--- a/Healthify .pptx
+++ b/Healthify .pptx
@@ -5,7 +5,7 @@
     <p:sldMasterId id="2147484073" r:id="rId1"/>
   </p:sldMasterIdLst>
   <p:notesMasterIdLst>
-    <p:notesMasterId r:id="rId21"/>
+    <p:notesMasterId r:id="rId22"/>
   </p:notesMasterIdLst>
   <p:sldIdLst>
     <p:sldId id="256" r:id="rId2"/>
@@ -19,14 +19,15 @@
     <p:sldId id="282" r:id="rId10"/>
     <p:sldId id="272" r:id="rId11"/>
     <p:sldId id="263" r:id="rId12"/>
-    <p:sldId id="277" r:id="rId13"/>
-    <p:sldId id="273" r:id="rId14"/>
-    <p:sldId id="274" r:id="rId15"/>
-    <p:sldId id="279" r:id="rId16"/>
-    <p:sldId id="275" r:id="rId17"/>
-    <p:sldId id="276" r:id="rId18"/>
-    <p:sldId id="278" r:id="rId19"/>
-    <p:sldId id="264" r:id="rId20"/>
+    <p:sldId id="283" r:id="rId13"/>
+    <p:sldId id="277" r:id="rId14"/>
+    <p:sldId id="273" r:id="rId15"/>
+    <p:sldId id="274" r:id="rId16"/>
+    <p:sldId id="279" r:id="rId17"/>
+    <p:sldId id="275" r:id="rId18"/>
+    <p:sldId id="276" r:id="rId19"/>
+    <p:sldId id="278" r:id="rId20"/>
+    <p:sldId id="264" r:id="rId21"/>
   </p:sldIdLst>
   <p:sldSz cx="12192000" cy="6858000"/>
   <p:notesSz cx="6858000" cy="9144000"/>
@@ -7150,7 +7151,7 @@
           <p:cNvPr id="2" name="Title 1">
             <a:extLst>
               <a:ext uri="{FF2B5EF4-FFF2-40B4-BE49-F238E27FC236}">
-                <a16:creationId xmlns:a16="http://schemas.microsoft.com/office/drawing/2014/main" id="{5C26CEDB-B68F-49B7-B077-EF59C97D7443}"/>
+                <a16:creationId xmlns:a16="http://schemas.microsoft.com/office/drawing/2014/main" id="{14B918F6-5BB2-45AB-92D2-ECAD86B3218F}"/>
               </a:ext>
             </a:extLst>
           </p:cNvPr>
@@ -7163,13 +7164,13 @@
         </p:nvSpPr>
         <p:spPr>
           <a:xfrm>
-            <a:off x="677334" y="609600"/>
-            <a:ext cx="8596668" cy="613025"/>
+            <a:off x="677334" y="599326"/>
+            <a:ext cx="8596668" cy="1320800"/>
           </a:xfrm>
         </p:spPr>
         <p:txBody>
           <a:bodyPr>
-            <a:noAutofit/>
+            <a:normAutofit/>
           </a:bodyPr>
           <a:lstStyle/>
           <a:p>
@@ -7195,10 +7196,10 @@
       </p:sp>
       <p:pic>
         <p:nvPicPr>
-          <p:cNvPr id="7" name="Content Placeholder 6" descr="A screenshot of a cell phone&#10;&#10;Description automatically generated">
+          <p:cNvPr id="7" name="Content Placeholder 6" descr="A picture containing filled, table, parking&#10;&#10;Description automatically generated">
             <a:extLst>
               <a:ext uri="{FF2B5EF4-FFF2-40B4-BE49-F238E27FC236}">
-                <a16:creationId xmlns:a16="http://schemas.microsoft.com/office/drawing/2014/main" id="{B2E7F958-D2AC-4554-AA2D-2B947A87153C}"/>
+                <a16:creationId xmlns:a16="http://schemas.microsoft.com/office/drawing/2014/main" id="{348DD25E-8B3F-4563-B2DF-04479BA2A5EC}"/>
               </a:ext>
             </a:extLst>
           </p:cNvPr>
@@ -7223,8 +7224,8 @@
         </p:blipFill>
         <p:spPr>
           <a:xfrm>
-            <a:off x="462107" y="1440829"/>
-            <a:ext cx="3471620" cy="1446208"/>
+            <a:off x="5116297" y="1015921"/>
+            <a:ext cx="5990065" cy="2168397"/>
           </a:xfrm>
         </p:spPr>
       </p:pic>
@@ -7233,7 +7234,7 @@
           <p:cNvPr id="4" name="Footer Placeholder 3">
             <a:extLst>
               <a:ext uri="{FF2B5EF4-FFF2-40B4-BE49-F238E27FC236}">
-                <a16:creationId xmlns:a16="http://schemas.microsoft.com/office/drawing/2014/main" id="{5C00AC9C-6425-4E98-8DD9-36ECE9E93F64}"/>
+                <a16:creationId xmlns:a16="http://schemas.microsoft.com/office/drawing/2014/main" id="{F341247E-1D92-457F-906D-384F9FB7D358}"/>
               </a:ext>
             </a:extLst>
           </p:cNvPr>
@@ -7261,7 +7262,7 @@
           <p:cNvPr id="5" name="Slide Number Placeholder 4">
             <a:extLst>
               <a:ext uri="{FF2B5EF4-FFF2-40B4-BE49-F238E27FC236}">
-                <a16:creationId xmlns:a16="http://schemas.microsoft.com/office/drawing/2014/main" id="{63E81D11-1787-403B-89B7-F1A6137BE457}"/>
+                <a16:creationId xmlns:a16="http://schemas.microsoft.com/office/drawing/2014/main" id="{B1B2B707-7857-4074-AA5B-9DDC5A8AF0EC}"/>
               </a:ext>
             </a:extLst>
           </p:cNvPr>
@@ -7287,10 +7288,10 @@
       </p:sp>
       <p:pic>
         <p:nvPicPr>
-          <p:cNvPr id="9" name="Picture 8" descr="A picture containing wire, light&#10;&#10;Description automatically generated">
+          <p:cNvPr id="9" name="Picture 8" descr="A picture containing decorated, light, room&#10;&#10;Description automatically generated">
             <a:extLst>
               <a:ext uri="{FF2B5EF4-FFF2-40B4-BE49-F238E27FC236}">
-                <a16:creationId xmlns:a16="http://schemas.microsoft.com/office/drawing/2014/main" id="{751989BA-35A3-4132-B675-561E54449DDA}"/>
+                <a16:creationId xmlns:a16="http://schemas.microsoft.com/office/drawing/2014/main" id="{527D905A-2580-43FD-940F-BCA166991136}"/>
               </a:ext>
             </a:extLst>
           </p:cNvPr>
@@ -7313,162 +7314,94 @@
         </p:blipFill>
         <p:spPr>
           <a:xfrm>
-            <a:off x="4073652" y="1440828"/>
-            <a:ext cx="4517011" cy="1446209"/>
+            <a:off x="984881" y="3579728"/>
+            <a:ext cx="5990065" cy="2415431"/>
           </a:xfrm>
           <a:prstGeom prst="rect">
             <a:avLst/>
           </a:prstGeom>
         </p:spPr>
       </p:pic>
-      <p:pic>
-        <p:nvPicPr>
-          <p:cNvPr id="11" name="Picture 10" descr="A screenshot of a cell phone&#10;&#10;Description automatically generated">
+      <p:sp>
+        <p:nvSpPr>
+          <p:cNvPr id="10" name="TextBox 9">
             <a:extLst>
               <a:ext uri="{FF2B5EF4-FFF2-40B4-BE49-F238E27FC236}">
-                <a16:creationId xmlns:a16="http://schemas.microsoft.com/office/drawing/2014/main" id="{57F46A56-3B61-4992-8091-7B151A628A50}"/>
+                <a16:creationId xmlns:a16="http://schemas.microsoft.com/office/drawing/2014/main" id="{6E530360-0334-460A-A6DC-D1F8F01BA364}"/>
               </a:ext>
             </a:extLst>
           </p:cNvPr>
-          <p:cNvPicPr>
-            <a:picLocks noChangeAspect="1"/>
-          </p:cNvPicPr>
+          <p:cNvSpPr txBox="1"/>
           <p:nvPr/>
-        </p:nvPicPr>
-        <p:blipFill>
-          <a:blip r:embed="rId4">
-            <a:extLst>
-              <a:ext uri="{28A0092B-C50C-407E-A947-70E740481C1C}">
-                <a14:useLocalDpi xmlns:a14="http://schemas.microsoft.com/office/drawing/2010/main" val="0"/>
-              </a:ext>
-            </a:extLst>
-          </a:blip>
-          <a:stretch>
-            <a:fillRect/>
-          </a:stretch>
-        </p:blipFill>
+        </p:nvSpPr>
         <p:spPr>
           <a:xfrm>
-            <a:off x="8730588" y="1440828"/>
-            <a:ext cx="3545328" cy="1446209"/>
+            <a:off x="4374629" y="1748499"/>
+            <a:ext cx="3051425" cy="369332"/>
           </a:xfrm>
           <a:prstGeom prst="rect">
             <a:avLst/>
           </a:prstGeom>
+          <a:noFill/>
         </p:spPr>
-      </p:pic>
-      <p:pic>
-        <p:nvPicPr>
-          <p:cNvPr id="13" name="Picture 12" descr="A screenshot of a cell phone&#10;&#10;Description automatically generated">
+        <p:txBody>
+          <a:bodyPr wrap="square" rtlCol="0">
+            <a:spAutoFit/>
+          </a:bodyPr>
+          <a:lstStyle/>
+          <a:p>
+            <a:r>
+              <a:rPr lang="en-US" dirty="0">
+                <a:latin typeface="Times New Roman" panose="02020603050405020304" pitchFamily="18" charset="0"/>
+                <a:cs typeface="Times New Roman" panose="02020603050405020304" pitchFamily="18" charset="0"/>
+              </a:rPr>
+              <a:t>User</a:t>
+            </a:r>
+          </a:p>
+        </p:txBody>
+      </p:sp>
+      <p:sp>
+        <p:nvSpPr>
+          <p:cNvPr id="11" name="TextBox 10">
             <a:extLst>
               <a:ext uri="{FF2B5EF4-FFF2-40B4-BE49-F238E27FC236}">
-                <a16:creationId xmlns:a16="http://schemas.microsoft.com/office/drawing/2014/main" id="{D3DC044B-DA68-4DFB-A15D-86C83CA65F27}"/>
+                <a16:creationId xmlns:a16="http://schemas.microsoft.com/office/drawing/2014/main" id="{C250CF99-DA64-4D02-8FFB-B12F6871B221}"/>
               </a:ext>
             </a:extLst>
           </p:cNvPr>
-          <p:cNvPicPr>
-            <a:picLocks noChangeAspect="1"/>
-          </p:cNvPicPr>
+          <p:cNvSpPr txBox="1"/>
           <p:nvPr/>
-        </p:nvPicPr>
-        <p:blipFill>
-          <a:blip r:embed="rId5">
-            <a:extLst>
-              <a:ext uri="{28A0092B-C50C-407E-A947-70E740481C1C}">
-                <a14:useLocalDpi xmlns:a14="http://schemas.microsoft.com/office/drawing/2010/main" val="0"/>
-              </a:ext>
-            </a:extLst>
-          </a:blip>
-          <a:stretch>
-            <a:fillRect/>
-          </a:stretch>
-        </p:blipFill>
+        </p:nvSpPr>
         <p:spPr>
           <a:xfrm>
-            <a:off x="462107" y="3710143"/>
-            <a:ext cx="2969818" cy="1707028"/>
+            <a:off x="7099443" y="4263775"/>
+            <a:ext cx="2311685" cy="369332"/>
           </a:xfrm>
           <a:prstGeom prst="rect">
             <a:avLst/>
           </a:prstGeom>
+          <a:noFill/>
         </p:spPr>
-      </p:pic>
-      <p:pic>
-        <p:nvPicPr>
-          <p:cNvPr id="15" name="Picture 14" descr="A screenshot of a cell phone&#10;&#10;Description automatically generated">
-            <a:extLst>
-              <a:ext uri="{FF2B5EF4-FFF2-40B4-BE49-F238E27FC236}">
-                <a16:creationId xmlns:a16="http://schemas.microsoft.com/office/drawing/2014/main" id="{BF669350-0A2C-4A3B-8C13-D073BF8D2833}"/>
-              </a:ext>
-            </a:extLst>
-          </p:cNvPr>
-          <p:cNvPicPr>
-            <a:picLocks noChangeAspect="1"/>
-          </p:cNvPicPr>
-          <p:nvPr/>
-        </p:nvPicPr>
-        <p:blipFill>
-          <a:blip r:embed="rId6">
-            <a:extLst>
-              <a:ext uri="{28A0092B-C50C-407E-A947-70E740481C1C}">
-                <a14:useLocalDpi xmlns:a14="http://schemas.microsoft.com/office/drawing/2010/main" val="0"/>
-              </a:ext>
-            </a:extLst>
-          </a:blip>
-          <a:stretch>
-            <a:fillRect/>
-          </a:stretch>
-        </p:blipFill>
-        <p:spPr>
-          <a:xfrm>
-            <a:off x="3750067" y="3710144"/>
-            <a:ext cx="4162589" cy="1707028"/>
-          </a:xfrm>
-          <a:prstGeom prst="rect">
-            <a:avLst/>
-          </a:prstGeom>
-        </p:spPr>
-      </p:pic>
-      <p:pic>
-        <p:nvPicPr>
-          <p:cNvPr id="17" name="Picture 16" descr="A screenshot of a cell phone&#10;&#10;Description automatically generated">
-            <a:extLst>
-              <a:ext uri="{FF2B5EF4-FFF2-40B4-BE49-F238E27FC236}">
-                <a16:creationId xmlns:a16="http://schemas.microsoft.com/office/drawing/2014/main" id="{5EA25749-4F5A-41C3-BE73-5D932F330DA7}"/>
-              </a:ext>
-            </a:extLst>
-          </p:cNvPr>
-          <p:cNvPicPr>
-            <a:picLocks noChangeAspect="1"/>
-          </p:cNvPicPr>
-          <p:nvPr/>
-        </p:nvPicPr>
-        <p:blipFill>
-          <a:blip r:embed="rId7">
-            <a:extLst>
-              <a:ext uri="{28A0092B-C50C-407E-A947-70E740481C1C}">
-                <a14:useLocalDpi xmlns:a14="http://schemas.microsoft.com/office/drawing/2010/main" val="0"/>
-              </a:ext>
-            </a:extLst>
-          </a:blip>
-          <a:stretch>
-            <a:fillRect/>
-          </a:stretch>
-        </p:blipFill>
-        <p:spPr>
-          <a:xfrm>
-            <a:off x="8219326" y="3710143"/>
-            <a:ext cx="3869292" cy="1707028"/>
-          </a:xfrm>
-          <a:prstGeom prst="rect">
-            <a:avLst/>
-          </a:prstGeom>
-        </p:spPr>
-      </p:pic>
+        <p:txBody>
+          <a:bodyPr wrap="square" rtlCol="0">
+            <a:spAutoFit/>
+          </a:bodyPr>
+          <a:lstStyle/>
+          <a:p>
+            <a:r>
+              <a:rPr lang="en-US" dirty="0">
+                <a:latin typeface="Times New Roman" panose="02020603050405020304" pitchFamily="18" charset="0"/>
+                <a:cs typeface="Times New Roman" panose="02020603050405020304" pitchFamily="18" charset="0"/>
+              </a:rPr>
+              <a:t>Daily Level</a:t>
+            </a:r>
+          </a:p>
+        </p:txBody>
+      </p:sp>
     </p:spTree>
     <p:extLst>
       <p:ext uri="{BB962C8B-B14F-4D97-AF65-F5344CB8AC3E}">
-        <p14:creationId xmlns:p14="http://schemas.microsoft.com/office/powerpoint/2010/main" val="3340613589"/>
+        <p14:creationId xmlns:p14="http://schemas.microsoft.com/office/powerpoint/2010/main" val="3132026467"/>
       </p:ext>
     </p:extLst>
   </p:cSld>
@@ -7500,7 +7433,7 @@
           <p:cNvPr id="2" name="Title 1">
             <a:extLst>
               <a:ext uri="{FF2B5EF4-FFF2-40B4-BE49-F238E27FC236}">
-                <a16:creationId xmlns:a16="http://schemas.microsoft.com/office/drawing/2014/main" id="{D10C0F41-67DB-4902-B02E-10AF0EA12871}"/>
+                <a16:creationId xmlns:a16="http://schemas.microsoft.com/office/drawing/2014/main" id="{5C26CEDB-B68F-49B7-B077-EF59C97D7443}"/>
               </a:ext>
             </a:extLst>
           </p:cNvPr>
@@ -7511,9 +7444,16 @@
             <p:ph type="title"/>
           </p:nvPr>
         </p:nvSpPr>
-        <p:spPr/>
-        <p:txBody>
-          <a:bodyPr/>
+        <p:spPr>
+          <a:xfrm>
+            <a:off x="677334" y="609600"/>
+            <a:ext cx="8596668" cy="613025"/>
+          </a:xfrm>
+        </p:spPr>
+        <p:txBody>
+          <a:bodyPr>
+            <a:noAutofit/>
+          </a:bodyPr>
           <a:lstStyle/>
           <a:p>
             <a:r>
@@ -7531,26 +7471,81 @@
                 <a:latin typeface="Times New Roman" panose="02020603050405020304" pitchFamily="18" charset="0"/>
                 <a:cs typeface="Times New Roman" panose="02020603050405020304" pitchFamily="18" charset="0"/>
               </a:rPr>
-              <a:t>Schedule Management</a:t>
-            </a:r>
+              <a:t>Testing</a:t>
+            </a:r>
+          </a:p>
+        </p:txBody>
+      </p:sp>
+      <p:sp>
+        <p:nvSpPr>
+          <p:cNvPr id="4" name="Footer Placeholder 3">
+            <a:extLst>
+              <a:ext uri="{FF2B5EF4-FFF2-40B4-BE49-F238E27FC236}">
+                <a16:creationId xmlns:a16="http://schemas.microsoft.com/office/drawing/2014/main" id="{5C00AC9C-6425-4E98-8DD9-36ECE9E93F64}"/>
+              </a:ext>
+            </a:extLst>
+          </p:cNvPr>
+          <p:cNvSpPr>
+            <a:spLocks noGrp="1"/>
+          </p:cNvSpPr>
+          <p:nvPr>
+            <p:ph type="ftr" sz="quarter" idx="11"/>
+          </p:nvPr>
+        </p:nvSpPr>
+        <p:spPr/>
+        <p:txBody>
+          <a:bodyPr/>
+          <a:lstStyle/>
+          <a:p>
+            <a:r>
+              <a:rPr lang="en-US"/>
+              <a:t>HEALTHIFY</a:t>
+            </a:r>
+          </a:p>
+        </p:txBody>
+      </p:sp>
+      <p:sp>
+        <p:nvSpPr>
+          <p:cNvPr id="5" name="Slide Number Placeholder 4">
+            <a:extLst>
+              <a:ext uri="{FF2B5EF4-FFF2-40B4-BE49-F238E27FC236}">
+                <a16:creationId xmlns:a16="http://schemas.microsoft.com/office/drawing/2014/main" id="{63E81D11-1787-403B-89B7-F1A6137BE457}"/>
+              </a:ext>
+            </a:extLst>
+          </p:cNvPr>
+          <p:cNvSpPr>
+            <a:spLocks noGrp="1"/>
+          </p:cNvSpPr>
+          <p:nvPr>
+            <p:ph type="sldNum" sz="quarter" idx="12"/>
+          </p:nvPr>
+        </p:nvSpPr>
+        <p:spPr/>
+        <p:txBody>
+          <a:bodyPr/>
+          <a:lstStyle/>
+          <a:p>
+            <a:fld id="{FC6EDEEF-6E47-4D41-B312-2A124904AE2A}" type="slidenum">
+              <a:rPr lang="en-US" smtClean="0"/>
+              <a:t>13</a:t>
+            </a:fld>
+            <a:endParaRPr lang="en-US"/>
           </a:p>
         </p:txBody>
       </p:sp>
       <p:pic>
         <p:nvPicPr>
-          <p:cNvPr id="5" name="Content Placeholder 4" descr="A screenshot of a computer&#10;&#10;Description automatically generated">
+          <p:cNvPr id="15" name="Picture 14" descr="A screenshot of a cell phone&#10;&#10;Description automatically generated">
             <a:extLst>
               <a:ext uri="{FF2B5EF4-FFF2-40B4-BE49-F238E27FC236}">
-                <a16:creationId xmlns:a16="http://schemas.microsoft.com/office/drawing/2014/main" id="{B6736611-1689-4464-81E3-6C6B2B6F5B36}"/>
+                <a16:creationId xmlns:a16="http://schemas.microsoft.com/office/drawing/2014/main" id="{BF669350-0A2C-4A3B-8C13-D073BF8D2833}"/>
               </a:ext>
             </a:extLst>
           </p:cNvPr>
           <p:cNvPicPr>
-            <a:picLocks noGrp="1" noChangeAspect="1"/>
+            <a:picLocks noChangeAspect="1"/>
           </p:cNvPicPr>
-          <p:nvPr>
-            <p:ph idx="1"/>
-          </p:nvPr>
+          <p:nvPr/>
         </p:nvPicPr>
         <p:blipFill>
           <a:blip r:embed="rId2">
@@ -7566,72 +7561,277 @@
         </p:blipFill>
         <p:spPr>
           <a:xfrm>
-            <a:off x="1191803" y="1263721"/>
-            <a:ext cx="9832368" cy="4890499"/>
+            <a:off x="473579" y="4406253"/>
+            <a:ext cx="4162589" cy="1707028"/>
+          </a:xfrm>
+          <a:prstGeom prst="rect">
+            <a:avLst/>
+          </a:prstGeom>
+        </p:spPr>
+      </p:pic>
+      <p:pic>
+        <p:nvPicPr>
+          <p:cNvPr id="17" name="Picture 16" descr="A screenshot of a cell phone&#10;&#10;Description automatically generated">
+            <a:extLst>
+              <a:ext uri="{FF2B5EF4-FFF2-40B4-BE49-F238E27FC236}">
+                <a16:creationId xmlns:a16="http://schemas.microsoft.com/office/drawing/2014/main" id="{5EA25749-4F5A-41C3-BE73-5D932F330DA7}"/>
+              </a:ext>
+            </a:extLst>
+          </p:cNvPr>
+          <p:cNvPicPr>
+            <a:picLocks noChangeAspect="1"/>
+          </p:cNvPicPr>
+          <p:nvPr/>
+        </p:nvPicPr>
+        <p:blipFill>
+          <a:blip r:embed="rId3">
+            <a:extLst>
+              <a:ext uri="{28A0092B-C50C-407E-A947-70E740481C1C}">
+                <a14:useLocalDpi xmlns:a14="http://schemas.microsoft.com/office/drawing/2010/main" val="0"/>
+              </a:ext>
+            </a:extLst>
+          </a:blip>
+          <a:stretch>
+            <a:fillRect/>
+          </a:stretch>
+        </p:blipFill>
+        <p:spPr>
+          <a:xfrm>
+            <a:off x="6096000" y="4495144"/>
+            <a:ext cx="3869292" cy="1618137"/>
+          </a:xfrm>
+          <a:prstGeom prst="rect">
+            <a:avLst/>
+          </a:prstGeom>
+        </p:spPr>
+      </p:pic>
+      <p:pic>
+        <p:nvPicPr>
+          <p:cNvPr id="10" name="Content Placeholder 9" descr="A screenshot of a cell phone&#10;&#10;Description automatically generated">
+            <a:extLst>
+              <a:ext uri="{FF2B5EF4-FFF2-40B4-BE49-F238E27FC236}">
+                <a16:creationId xmlns:a16="http://schemas.microsoft.com/office/drawing/2014/main" id="{8562220E-1205-4C20-8188-92DB853E67ED}"/>
+              </a:ext>
+            </a:extLst>
+          </p:cNvPr>
+          <p:cNvPicPr>
+            <a:picLocks noGrp="1" noChangeAspect="1"/>
+          </p:cNvPicPr>
+          <p:nvPr>
+            <p:ph idx="1"/>
+          </p:nvPr>
+        </p:nvPicPr>
+        <p:blipFill>
+          <a:blip r:embed="rId4">
+            <a:extLst>
+              <a:ext uri="{28A0092B-C50C-407E-A947-70E740481C1C}">
+                <a14:useLocalDpi xmlns:a14="http://schemas.microsoft.com/office/drawing/2010/main" val="0"/>
+              </a:ext>
+            </a:extLst>
+          </a:blip>
+          <a:stretch>
+            <a:fillRect/>
+          </a:stretch>
+        </p:blipFill>
+        <p:spPr>
+          <a:xfrm>
+            <a:off x="473579" y="1759439"/>
+            <a:ext cx="4880455" cy="2052273"/>
           </a:xfrm>
         </p:spPr>
       </p:pic>
       <p:sp>
         <p:nvSpPr>
-          <p:cNvPr id="6" name="Footer Placeholder 5">
+          <p:cNvPr id="12" name="TextBox 11">
             <a:extLst>
               <a:ext uri="{FF2B5EF4-FFF2-40B4-BE49-F238E27FC236}">
-                <a16:creationId xmlns:a16="http://schemas.microsoft.com/office/drawing/2014/main" id="{BB5C8C6F-C16D-4AB6-9B47-536A364DF7B3}"/>
+                <a16:creationId xmlns:a16="http://schemas.microsoft.com/office/drawing/2014/main" id="{FE09352D-96CA-48D1-B96C-0567009CCCFB}"/>
               </a:ext>
             </a:extLst>
           </p:cNvPr>
-          <p:cNvSpPr>
-            <a:spLocks noGrp="1"/>
-          </p:cNvSpPr>
-          <p:nvPr>
-            <p:ph type="ftr" sz="quarter" idx="11"/>
-          </p:nvPr>
-        </p:nvSpPr>
-        <p:spPr/>
-        <p:txBody>
-          <a:bodyPr/>
-          <a:lstStyle/>
-          <a:p>
-            <a:r>
-              <a:rPr lang="en-US"/>
-              <a:t>HEALTHIFY</a:t>
-            </a:r>
-          </a:p>
-        </p:txBody>
-      </p:sp>
-      <p:sp>
-        <p:nvSpPr>
-          <p:cNvPr id="7" name="Slide Number Placeholder 6">
+          <p:cNvSpPr txBox="1"/>
+          <p:nvPr/>
+        </p:nvSpPr>
+        <p:spPr>
+          <a:xfrm>
+            <a:off x="473579" y="1294544"/>
+            <a:ext cx="1334673" cy="369332"/>
+          </a:xfrm>
+          <a:prstGeom prst="rect">
+            <a:avLst/>
+          </a:prstGeom>
+          <a:noFill/>
+        </p:spPr>
+        <p:txBody>
+          <a:bodyPr wrap="square" rtlCol="0">
+            <a:spAutoFit/>
+          </a:bodyPr>
+          <a:lstStyle/>
+          <a:p>
+            <a:r>
+              <a:rPr lang="en-US" dirty="0">
+                <a:latin typeface="Times New Roman" panose="02020603050405020304" pitchFamily="18" charset="0"/>
+                <a:cs typeface="Times New Roman" panose="02020603050405020304" pitchFamily="18" charset="0"/>
+              </a:rPr>
+              <a:t>Group</a:t>
+            </a:r>
+          </a:p>
+        </p:txBody>
+      </p:sp>
+      <p:pic>
+        <p:nvPicPr>
+          <p:cNvPr id="16" name="Picture 15" descr="A picture containing people&#10;&#10;Description automatically generated">
             <a:extLst>
               <a:ext uri="{FF2B5EF4-FFF2-40B4-BE49-F238E27FC236}">
-                <a16:creationId xmlns:a16="http://schemas.microsoft.com/office/drawing/2014/main" id="{6B953DC5-5829-4EC7-99E1-A0A0139D473D}"/>
+                <a16:creationId xmlns:a16="http://schemas.microsoft.com/office/drawing/2014/main" id="{6A16A279-C9C6-41D6-A3A0-00E988498DA0}"/>
               </a:ext>
             </a:extLst>
           </p:cNvPr>
-          <p:cNvSpPr>
-            <a:spLocks noGrp="1"/>
-          </p:cNvSpPr>
-          <p:nvPr>
-            <p:ph type="sldNum" sz="quarter" idx="12"/>
-          </p:nvPr>
-        </p:nvSpPr>
-        <p:spPr/>
-        <p:txBody>
-          <a:bodyPr/>
-          <a:lstStyle/>
-          <a:p>
-            <a:fld id="{FC6EDEEF-6E47-4D41-B312-2A124904AE2A}" type="slidenum">
-              <a:rPr lang="en-US" smtClean="0"/>
-              <a:t>13</a:t>
-            </a:fld>
-            <a:endParaRPr lang="en-US"/>
+          <p:cNvPicPr>
+            <a:picLocks noChangeAspect="1"/>
+          </p:cNvPicPr>
+          <p:nvPr/>
+        </p:nvPicPr>
+        <p:blipFill>
+          <a:blip r:embed="rId5">
+            <a:extLst>
+              <a:ext uri="{28A0092B-C50C-407E-A947-70E740481C1C}">
+                <a14:useLocalDpi xmlns:a14="http://schemas.microsoft.com/office/drawing/2010/main" val="0"/>
+              </a:ext>
+            </a:extLst>
+          </a:blip>
+          <a:stretch>
+            <a:fillRect/>
+          </a:stretch>
+        </p:blipFill>
+        <p:spPr>
+          <a:xfrm>
+            <a:off x="6096000" y="1759437"/>
+            <a:ext cx="4162590" cy="2052273"/>
+          </a:xfrm>
+          <a:prstGeom prst="rect">
+            <a:avLst/>
+          </a:prstGeom>
+        </p:spPr>
+      </p:pic>
+      <p:sp>
+        <p:nvSpPr>
+          <p:cNvPr id="18" name="TextBox 17">
+            <a:extLst>
+              <a:ext uri="{FF2B5EF4-FFF2-40B4-BE49-F238E27FC236}">
+                <a16:creationId xmlns:a16="http://schemas.microsoft.com/office/drawing/2014/main" id="{AA991EF7-2FB8-4A5F-BDE2-ECC8B5F8C199}"/>
+              </a:ext>
+            </a:extLst>
+          </p:cNvPr>
+          <p:cNvSpPr txBox="1"/>
+          <p:nvPr/>
+        </p:nvSpPr>
+        <p:spPr>
+          <a:xfrm>
+            <a:off x="6218356" y="1294544"/>
+            <a:ext cx="1958939" cy="369332"/>
+          </a:xfrm>
+          <a:prstGeom prst="rect">
+            <a:avLst/>
+          </a:prstGeom>
+          <a:noFill/>
+        </p:spPr>
+        <p:txBody>
+          <a:bodyPr wrap="square" rtlCol="0">
+            <a:spAutoFit/>
+          </a:bodyPr>
+          <a:lstStyle/>
+          <a:p>
+            <a:r>
+              <a:rPr lang="en-US" dirty="0">
+                <a:latin typeface="Times New Roman" panose="02020603050405020304" pitchFamily="18" charset="0"/>
+                <a:cs typeface="Times New Roman" panose="02020603050405020304" pitchFamily="18" charset="0"/>
+              </a:rPr>
+              <a:t>Group Member</a:t>
+            </a:r>
+          </a:p>
+        </p:txBody>
+      </p:sp>
+      <p:sp>
+        <p:nvSpPr>
+          <p:cNvPr id="19" name="TextBox 18">
+            <a:extLst>
+              <a:ext uri="{FF2B5EF4-FFF2-40B4-BE49-F238E27FC236}">
+                <a16:creationId xmlns:a16="http://schemas.microsoft.com/office/drawing/2014/main" id="{053632B1-F554-46CF-A2D5-35CBA0910E80}"/>
+              </a:ext>
+            </a:extLst>
+          </p:cNvPr>
+          <p:cNvSpPr txBox="1"/>
+          <p:nvPr/>
+        </p:nvSpPr>
+        <p:spPr>
+          <a:xfrm>
+            <a:off x="473579" y="4030031"/>
+            <a:ext cx="1108641" cy="369332"/>
+          </a:xfrm>
+          <a:prstGeom prst="rect">
+            <a:avLst/>
+          </a:prstGeom>
+          <a:noFill/>
+        </p:spPr>
+        <p:txBody>
+          <a:bodyPr wrap="square" rtlCol="0">
+            <a:spAutoFit/>
+          </a:bodyPr>
+          <a:lstStyle/>
+          <a:p>
+            <a:r>
+              <a:rPr lang="en-US" dirty="0">
+                <a:latin typeface="Times New Roman" panose="02020603050405020304" pitchFamily="18" charset="0"/>
+                <a:cs typeface="Times New Roman" panose="02020603050405020304" pitchFamily="18" charset="0"/>
+              </a:rPr>
+              <a:t>Target</a:t>
+            </a:r>
+          </a:p>
+        </p:txBody>
+      </p:sp>
+      <p:sp>
+        <p:nvSpPr>
+          <p:cNvPr id="20" name="TextBox 19">
+            <a:extLst>
+              <a:ext uri="{FF2B5EF4-FFF2-40B4-BE49-F238E27FC236}">
+                <a16:creationId xmlns:a16="http://schemas.microsoft.com/office/drawing/2014/main" id="{7CE58ECB-E809-49E8-9178-6143C900FAFB}"/>
+              </a:ext>
+            </a:extLst>
+          </p:cNvPr>
+          <p:cNvSpPr txBox="1"/>
+          <p:nvPr/>
+        </p:nvSpPr>
+        <p:spPr>
+          <a:xfrm>
+            <a:off x="6096000" y="4030031"/>
+            <a:ext cx="1250022" cy="369332"/>
+          </a:xfrm>
+          <a:prstGeom prst="rect">
+            <a:avLst/>
+          </a:prstGeom>
+          <a:noFill/>
+        </p:spPr>
+        <p:txBody>
+          <a:bodyPr wrap="square" rtlCol="0">
+            <a:spAutoFit/>
+          </a:bodyPr>
+          <a:lstStyle/>
+          <a:p>
+            <a:r>
+              <a:rPr lang="en-US" dirty="0">
+                <a:latin typeface="Times New Roman" panose="02020603050405020304" pitchFamily="18" charset="0"/>
+                <a:cs typeface="Times New Roman" panose="02020603050405020304" pitchFamily="18" charset="0"/>
+              </a:rPr>
+              <a:t>Challenge</a:t>
+            </a:r>
           </a:p>
         </p:txBody>
       </p:sp>
     </p:spTree>
     <p:extLst>
       <p:ext uri="{BB962C8B-B14F-4D97-AF65-F5344CB8AC3E}">
-        <p14:creationId xmlns:p14="http://schemas.microsoft.com/office/powerpoint/2010/main" val="4153707155"/>
+        <p14:creationId xmlns:p14="http://schemas.microsoft.com/office/powerpoint/2010/main" val="3340613589"/>
       </p:ext>
     </p:extLst>
   </p:cSld>
@@ -7663,7 +7863,7 @@
           <p:cNvPr id="2" name="Title 1">
             <a:extLst>
               <a:ext uri="{FF2B5EF4-FFF2-40B4-BE49-F238E27FC236}">
-                <a16:creationId xmlns:a16="http://schemas.microsoft.com/office/drawing/2014/main" id="{019B3870-AD76-44DC-A5A0-5B8C0D926FEF}"/>
+                <a16:creationId xmlns:a16="http://schemas.microsoft.com/office/drawing/2014/main" id="{D10C0F41-67DB-4902-B02E-10AF0EA12871}"/>
               </a:ext>
             </a:extLst>
           </p:cNvPr>
@@ -7694,7 +7894,7 @@
                 <a:latin typeface="Times New Roman" panose="02020603050405020304" pitchFamily="18" charset="0"/>
                 <a:cs typeface="Times New Roman" panose="02020603050405020304" pitchFamily="18" charset="0"/>
               </a:rPr>
-              <a:t>Cost Management </a:t>
+              <a:t>Schedule Management</a:t>
             </a:r>
           </a:p>
         </p:txBody>
@@ -7704,7 +7904,7 @@
           <p:cNvPr id="5" name="Content Placeholder 4" descr="A screenshot of a computer&#10;&#10;Description automatically generated">
             <a:extLst>
               <a:ext uri="{FF2B5EF4-FFF2-40B4-BE49-F238E27FC236}">
-                <a16:creationId xmlns:a16="http://schemas.microsoft.com/office/drawing/2014/main" id="{B434056D-5920-4F14-B7DD-B27BD2A28ADB}"/>
+                <a16:creationId xmlns:a16="http://schemas.microsoft.com/office/drawing/2014/main" id="{B6736611-1689-4464-81E3-6C6B2B6F5B36}"/>
               </a:ext>
             </a:extLst>
           </p:cNvPr>
@@ -7729,8 +7929,8 @@
         </p:blipFill>
         <p:spPr>
           <a:xfrm>
-            <a:off x="1089062" y="1253448"/>
-            <a:ext cx="9647432" cy="4900772"/>
+            <a:off x="1191803" y="1263721"/>
+            <a:ext cx="9832368" cy="4890499"/>
           </a:xfrm>
         </p:spPr>
       </p:pic>
@@ -7739,7 +7939,7 @@
           <p:cNvPr id="6" name="Footer Placeholder 5">
             <a:extLst>
               <a:ext uri="{FF2B5EF4-FFF2-40B4-BE49-F238E27FC236}">
-                <a16:creationId xmlns:a16="http://schemas.microsoft.com/office/drawing/2014/main" id="{516688C4-0ADD-40B0-B93A-5E20A555C43D}"/>
+                <a16:creationId xmlns:a16="http://schemas.microsoft.com/office/drawing/2014/main" id="{BB5C8C6F-C16D-4AB6-9B47-536A364DF7B3}"/>
               </a:ext>
             </a:extLst>
           </p:cNvPr>
@@ -7767,7 +7967,7 @@
           <p:cNvPr id="7" name="Slide Number Placeholder 6">
             <a:extLst>
               <a:ext uri="{FF2B5EF4-FFF2-40B4-BE49-F238E27FC236}">
-                <a16:creationId xmlns:a16="http://schemas.microsoft.com/office/drawing/2014/main" id="{26449E8A-D908-40AB-96FA-365AF937BD48}"/>
+                <a16:creationId xmlns:a16="http://schemas.microsoft.com/office/drawing/2014/main" id="{6B953DC5-5829-4EC7-99E1-A0A0139D473D}"/>
               </a:ext>
             </a:extLst>
           </p:cNvPr>
@@ -7794,7 +7994,7 @@
     </p:spTree>
     <p:extLst>
       <p:ext uri="{BB962C8B-B14F-4D97-AF65-F5344CB8AC3E}">
-        <p14:creationId xmlns:p14="http://schemas.microsoft.com/office/powerpoint/2010/main" val="1271753515"/>
+        <p14:creationId xmlns:p14="http://schemas.microsoft.com/office/powerpoint/2010/main" val="4153707155"/>
       </p:ext>
     </p:extLst>
   </p:cSld>
@@ -7826,7 +8026,7 @@
           <p:cNvPr id="2" name="Title 1">
             <a:extLst>
               <a:ext uri="{FF2B5EF4-FFF2-40B4-BE49-F238E27FC236}">
-                <a16:creationId xmlns:a16="http://schemas.microsoft.com/office/drawing/2014/main" id="{B1BC11D7-8A41-45C1-AEDE-0E53214677D3}"/>
+                <a16:creationId xmlns:a16="http://schemas.microsoft.com/office/drawing/2014/main" id="{019B3870-AD76-44DC-A5A0-5B8C0D926FEF}"/>
               </a:ext>
             </a:extLst>
           </p:cNvPr>
@@ -7857,17 +8057,74 @@
                 <a:latin typeface="Times New Roman" panose="02020603050405020304" pitchFamily="18" charset="0"/>
                 <a:cs typeface="Times New Roman" panose="02020603050405020304" pitchFamily="18" charset="0"/>
               </a:rPr>
-              <a:t>Jira Workflow</a:t>
-            </a:r>
+              <a:t>Cost Management </a:t>
+            </a:r>
+          </a:p>
+        </p:txBody>
+      </p:sp>
+      <p:sp>
+        <p:nvSpPr>
+          <p:cNvPr id="6" name="Footer Placeholder 5">
+            <a:extLst>
+              <a:ext uri="{FF2B5EF4-FFF2-40B4-BE49-F238E27FC236}">
+                <a16:creationId xmlns:a16="http://schemas.microsoft.com/office/drawing/2014/main" id="{516688C4-0ADD-40B0-B93A-5E20A555C43D}"/>
+              </a:ext>
+            </a:extLst>
+          </p:cNvPr>
+          <p:cNvSpPr>
+            <a:spLocks noGrp="1"/>
+          </p:cNvSpPr>
+          <p:nvPr>
+            <p:ph type="ftr" sz="quarter" idx="11"/>
+          </p:nvPr>
+        </p:nvSpPr>
+        <p:spPr/>
+        <p:txBody>
+          <a:bodyPr/>
+          <a:lstStyle/>
+          <a:p>
+            <a:r>
+              <a:rPr lang="en-US"/>
+              <a:t>HEALTHIFY</a:t>
+            </a:r>
+          </a:p>
+        </p:txBody>
+      </p:sp>
+      <p:sp>
+        <p:nvSpPr>
+          <p:cNvPr id="7" name="Slide Number Placeholder 6">
+            <a:extLst>
+              <a:ext uri="{FF2B5EF4-FFF2-40B4-BE49-F238E27FC236}">
+                <a16:creationId xmlns:a16="http://schemas.microsoft.com/office/drawing/2014/main" id="{26449E8A-D908-40AB-96FA-365AF937BD48}"/>
+              </a:ext>
+            </a:extLst>
+          </p:cNvPr>
+          <p:cNvSpPr>
+            <a:spLocks noGrp="1"/>
+          </p:cNvSpPr>
+          <p:nvPr>
+            <p:ph type="sldNum" sz="quarter" idx="12"/>
+          </p:nvPr>
+        </p:nvSpPr>
+        <p:spPr/>
+        <p:txBody>
+          <a:bodyPr/>
+          <a:lstStyle/>
+          <a:p>
+            <a:fld id="{FC6EDEEF-6E47-4D41-B312-2A124904AE2A}" type="slidenum">
+              <a:rPr lang="en-US" smtClean="0"/>
+              <a:t>15</a:t>
+            </a:fld>
+            <a:endParaRPr lang="en-US"/>
           </a:p>
         </p:txBody>
       </p:sp>
       <p:pic>
         <p:nvPicPr>
-          <p:cNvPr id="7" name="Content Placeholder 6" descr="A screenshot of a cell phone&#10;&#10;Description automatically generated">
+          <p:cNvPr id="9" name="Content Placeholder 8" descr="A screenshot of a computer&#10;&#10;Description automatically generated">
             <a:extLst>
               <a:ext uri="{FF2B5EF4-FFF2-40B4-BE49-F238E27FC236}">
-                <a16:creationId xmlns:a16="http://schemas.microsoft.com/office/drawing/2014/main" id="{515EFC0D-496C-4106-89B0-A526380500AB}"/>
+                <a16:creationId xmlns:a16="http://schemas.microsoft.com/office/drawing/2014/main" id="{F96736F3-11C9-4AE5-8DF2-BCD3E7C4C408}"/>
               </a:ext>
             </a:extLst>
           </p:cNvPr>
@@ -7892,72 +8149,15 @@
         </p:blipFill>
         <p:spPr>
           <a:xfrm>
-            <a:off x="702404" y="1325366"/>
-            <a:ext cx="9879978" cy="4716659"/>
+            <a:off x="461113" y="1157902"/>
+            <a:ext cx="10039075" cy="4884124"/>
           </a:xfrm>
         </p:spPr>
       </p:pic>
-      <p:sp>
-        <p:nvSpPr>
-          <p:cNvPr id="4" name="Footer Placeholder 3">
-            <a:extLst>
-              <a:ext uri="{FF2B5EF4-FFF2-40B4-BE49-F238E27FC236}">
-                <a16:creationId xmlns:a16="http://schemas.microsoft.com/office/drawing/2014/main" id="{B10119E2-47A8-4B77-ACC3-A54855000B3C}"/>
-              </a:ext>
-            </a:extLst>
-          </p:cNvPr>
-          <p:cNvSpPr>
-            <a:spLocks noGrp="1"/>
-          </p:cNvSpPr>
-          <p:nvPr>
-            <p:ph type="ftr" sz="quarter" idx="11"/>
-          </p:nvPr>
-        </p:nvSpPr>
-        <p:spPr/>
-        <p:txBody>
-          <a:bodyPr/>
-          <a:lstStyle/>
-          <a:p>
-            <a:r>
-              <a:rPr lang="en-US"/>
-              <a:t>HEALTHIFY</a:t>
-            </a:r>
-          </a:p>
-        </p:txBody>
-      </p:sp>
-      <p:sp>
-        <p:nvSpPr>
-          <p:cNvPr id="5" name="Slide Number Placeholder 4">
-            <a:extLst>
-              <a:ext uri="{FF2B5EF4-FFF2-40B4-BE49-F238E27FC236}">
-                <a16:creationId xmlns:a16="http://schemas.microsoft.com/office/drawing/2014/main" id="{CC4D7613-E19B-4CFB-8CE7-9D7BDA395AD4}"/>
-              </a:ext>
-            </a:extLst>
-          </p:cNvPr>
-          <p:cNvSpPr>
-            <a:spLocks noGrp="1"/>
-          </p:cNvSpPr>
-          <p:nvPr>
-            <p:ph type="sldNum" sz="quarter" idx="12"/>
-          </p:nvPr>
-        </p:nvSpPr>
-        <p:spPr/>
-        <p:txBody>
-          <a:bodyPr/>
-          <a:lstStyle/>
-          <a:p>
-            <a:fld id="{FC6EDEEF-6E47-4D41-B312-2A124904AE2A}" type="slidenum">
-              <a:rPr lang="en-US" smtClean="0"/>
-              <a:t>15</a:t>
-            </a:fld>
-            <a:endParaRPr lang="en-US"/>
-          </a:p>
-        </p:txBody>
-      </p:sp>
     </p:spTree>
     <p:extLst>
       <p:ext uri="{BB962C8B-B14F-4D97-AF65-F5344CB8AC3E}">
-        <p14:creationId xmlns:p14="http://schemas.microsoft.com/office/powerpoint/2010/main" val="3499311189"/>
+        <p14:creationId xmlns:p14="http://schemas.microsoft.com/office/powerpoint/2010/main" val="1271753515"/>
       </p:ext>
     </p:extLst>
   </p:cSld>
@@ -7989,7 +8189,7 @@
           <p:cNvPr id="2" name="Title 1">
             <a:extLst>
               <a:ext uri="{FF2B5EF4-FFF2-40B4-BE49-F238E27FC236}">
-                <a16:creationId xmlns:a16="http://schemas.microsoft.com/office/drawing/2014/main" id="{405F658A-143D-4B11-9418-4DFD99116EE8}"/>
+                <a16:creationId xmlns:a16="http://schemas.microsoft.com/office/drawing/2014/main" id="{B1BC11D7-8A41-45C1-AEDE-0E53214677D3}"/>
               </a:ext>
             </a:extLst>
           </p:cNvPr>
@@ -8002,13 +8202,11 @@
         </p:nvSpPr>
         <p:spPr/>
         <p:txBody>
-          <a:bodyPr>
-            <a:normAutofit fontScale="90000"/>
-          </a:bodyPr>
-          <a:lstStyle/>
-          <a:p>
-            <a:r>
-              <a:rPr lang="en-US" sz="4000" b="1" dirty="0">
+          <a:bodyPr/>
+          <a:lstStyle/>
+          <a:p>
+            <a:r>
+              <a:rPr lang="en-US" b="1" dirty="0">
                 <a:solidFill>
                   <a:schemeClr val="accent3"/>
                 </a:solidFill>
@@ -8022,186 +8220,52 @@
                 <a:latin typeface="Times New Roman" panose="02020603050405020304" pitchFamily="18" charset="0"/>
                 <a:cs typeface="Times New Roman" panose="02020603050405020304" pitchFamily="18" charset="0"/>
               </a:rPr>
-              <a:t>Benefits</a:t>
-            </a:r>
-            <a:br>
-              <a:rPr lang="en-US" sz="2400" b="1" dirty="0">
-                <a:latin typeface="Times New Roman" panose="02020603050405020304" pitchFamily="18" charset="0"/>
-                <a:cs typeface="Times New Roman" panose="02020603050405020304" pitchFamily="18" charset="0"/>
-              </a:rPr>
-            </a:br>
-            <a:br>
-              <a:rPr lang="en-US" sz="2400" b="1" dirty="0">
-                <a:latin typeface="Times New Roman" panose="02020603050405020304" pitchFamily="18" charset="0"/>
-                <a:cs typeface="Times New Roman" panose="02020603050405020304" pitchFamily="18" charset="0"/>
-              </a:rPr>
-            </a:br>
-            <a:endParaRPr lang="en-US" sz="2400" dirty="0">
-              <a:latin typeface="Times New Roman" panose="02020603050405020304" pitchFamily="18" charset="0"/>
-              <a:cs typeface="Times New Roman" panose="02020603050405020304" pitchFamily="18" charset="0"/>
-            </a:endParaRPr>
-          </a:p>
-        </p:txBody>
-      </p:sp>
-      <p:sp>
-        <p:nvSpPr>
-          <p:cNvPr id="3" name="Content Placeholder 2">
+              <a:t>Jira Workflow</a:t>
+            </a:r>
+          </a:p>
+        </p:txBody>
+      </p:sp>
+      <p:pic>
+        <p:nvPicPr>
+          <p:cNvPr id="7" name="Content Placeholder 6" descr="A screenshot of a cell phone&#10;&#10;Description automatically generated">
             <a:extLst>
               <a:ext uri="{FF2B5EF4-FFF2-40B4-BE49-F238E27FC236}">
-                <a16:creationId xmlns:a16="http://schemas.microsoft.com/office/drawing/2014/main" id="{3C1589E6-2CE7-437E-B912-6C37A64FE22A}"/>
+                <a16:creationId xmlns:a16="http://schemas.microsoft.com/office/drawing/2014/main" id="{515EFC0D-496C-4106-89B0-A526380500AB}"/>
               </a:ext>
             </a:extLst>
           </p:cNvPr>
-          <p:cNvSpPr>
-            <a:spLocks noGrp="1"/>
-          </p:cNvSpPr>
+          <p:cNvPicPr>
+            <a:picLocks noGrp="1" noChangeAspect="1"/>
+          </p:cNvPicPr>
           <p:nvPr>
             <p:ph idx="1"/>
           </p:nvPr>
-        </p:nvSpPr>
+        </p:nvPicPr>
+        <p:blipFill>
+          <a:blip r:embed="rId2">
+            <a:extLst>
+              <a:ext uri="{28A0092B-C50C-407E-A947-70E740481C1C}">
+                <a14:useLocalDpi xmlns:a14="http://schemas.microsoft.com/office/drawing/2010/main" val="0"/>
+              </a:ext>
+            </a:extLst>
+          </a:blip>
+          <a:stretch>
+            <a:fillRect/>
+          </a:stretch>
+        </p:blipFill>
         <p:spPr>
           <a:xfrm>
-            <a:off x="1103312" y="1335640"/>
-            <a:ext cx="8946541" cy="4912759"/>
+            <a:off x="702404" y="1325366"/>
+            <a:ext cx="9879978" cy="4716659"/>
           </a:xfrm>
         </p:spPr>
-        <p:txBody>
-          <a:bodyPr>
-            <a:normAutofit fontScale="92500" lnSpcReduction="10000"/>
-          </a:bodyPr>
-          <a:lstStyle/>
-          <a:p>
-            <a:r>
-              <a:rPr lang="en-US" dirty="0">
-                <a:latin typeface="Times New Roman" panose="02020603050405020304" pitchFamily="18" charset="0"/>
-                <a:cs typeface="Times New Roman" panose="02020603050405020304" pitchFamily="18" charset="0"/>
-              </a:rPr>
-              <a:t>Monitor your diet everyday</a:t>
-            </a:r>
-          </a:p>
-          <a:p>
-            <a:r>
-              <a:rPr lang="en-US" dirty="0">
-                <a:latin typeface="Times New Roman" panose="02020603050405020304" pitchFamily="18" charset="0"/>
-                <a:cs typeface="Times New Roman" panose="02020603050405020304" pitchFamily="18" charset="0"/>
-              </a:rPr>
-              <a:t>Track your footsteps</a:t>
-            </a:r>
-          </a:p>
-          <a:p>
-            <a:r>
-              <a:rPr lang="en-US" dirty="0">
-                <a:latin typeface="Times New Roman" panose="02020603050405020304" pitchFamily="18" charset="0"/>
-                <a:cs typeface="Times New Roman" panose="02020603050405020304" pitchFamily="18" charset="0"/>
-              </a:rPr>
-              <a:t>Track your water intake</a:t>
-            </a:r>
-          </a:p>
-          <a:p>
-            <a:r>
-              <a:rPr lang="en-US" dirty="0">
-                <a:latin typeface="Times New Roman" panose="02020603050405020304" pitchFamily="18" charset="0"/>
-                <a:cs typeface="Times New Roman" panose="02020603050405020304" pitchFamily="18" charset="0"/>
-              </a:rPr>
-              <a:t>Helps in calorie count</a:t>
-            </a:r>
-          </a:p>
-          <a:p>
-            <a:r>
-              <a:rPr lang="en-US" dirty="0">
-                <a:latin typeface="Times New Roman" panose="02020603050405020304" pitchFamily="18" charset="0"/>
-                <a:cs typeface="Times New Roman" panose="02020603050405020304" pitchFamily="18" charset="0"/>
-              </a:rPr>
-              <a:t>Set goals that you can achieve</a:t>
-            </a:r>
-          </a:p>
-          <a:p>
-            <a:r>
-              <a:rPr lang="en-US" dirty="0">
-                <a:latin typeface="Times New Roman" panose="02020603050405020304" pitchFamily="18" charset="0"/>
-                <a:cs typeface="Times New Roman" panose="02020603050405020304" pitchFamily="18" charset="0"/>
-              </a:rPr>
-              <a:t>Create your yoga studio</a:t>
-            </a:r>
-          </a:p>
-          <a:p>
-            <a:r>
-              <a:rPr lang="en-US" dirty="0">
-                <a:latin typeface="Times New Roman" panose="02020603050405020304" pitchFamily="18" charset="0"/>
-                <a:cs typeface="Times New Roman" panose="02020603050405020304" pitchFamily="18" charset="0"/>
-              </a:rPr>
-              <a:t>Easily keep track of your progress</a:t>
-            </a:r>
-          </a:p>
-          <a:p>
-            <a:r>
-              <a:rPr lang="en-US" dirty="0">
-                <a:latin typeface="Times New Roman" panose="02020603050405020304" pitchFamily="18" charset="0"/>
-                <a:cs typeface="Times New Roman" panose="02020603050405020304" pitchFamily="18" charset="0"/>
-              </a:rPr>
-              <a:t>Get free workout ideas</a:t>
-            </a:r>
-          </a:p>
-          <a:p>
-            <a:r>
-              <a:rPr lang="en-US" dirty="0">
-                <a:latin typeface="Times New Roman" panose="02020603050405020304" pitchFamily="18" charset="0"/>
-                <a:cs typeface="Times New Roman" panose="02020603050405020304" pitchFamily="18" charset="0"/>
-              </a:rPr>
-              <a:t>Heartrate tracking</a:t>
-            </a:r>
-          </a:p>
-          <a:p>
-            <a:r>
-              <a:rPr lang="en-US" dirty="0">
-                <a:latin typeface="Times New Roman" panose="02020603050405020304" pitchFamily="18" charset="0"/>
-                <a:cs typeface="Times New Roman" panose="02020603050405020304" pitchFamily="18" charset="0"/>
-              </a:rPr>
-              <a:t>Weight loss progression</a:t>
-            </a:r>
-          </a:p>
-          <a:p>
-            <a:r>
-              <a:rPr lang="en-US" dirty="0">
-                <a:latin typeface="Times New Roman" panose="02020603050405020304" pitchFamily="18" charset="0"/>
-                <a:cs typeface="Times New Roman" panose="02020603050405020304" pitchFamily="18" charset="0"/>
-              </a:rPr>
-              <a:t>Pedometer</a:t>
-            </a:r>
-          </a:p>
-          <a:p>
-            <a:r>
-              <a:rPr lang="en-US" dirty="0">
-                <a:latin typeface="Times New Roman" panose="02020603050405020304" pitchFamily="18" charset="0"/>
-                <a:cs typeface="Times New Roman" panose="02020603050405020304" pitchFamily="18" charset="0"/>
-              </a:rPr>
-              <a:t>Give free health and fitness tips</a:t>
-            </a:r>
-          </a:p>
-          <a:p>
-            <a:r>
-              <a:rPr lang="en-US" dirty="0">
-                <a:latin typeface="Times New Roman" panose="02020603050405020304" pitchFamily="18" charset="0"/>
-                <a:cs typeface="Times New Roman" panose="02020603050405020304" pitchFamily="18" charset="0"/>
-              </a:rPr>
-              <a:t>Keeps you Motivated</a:t>
-            </a:r>
-            <a:br>
-              <a:rPr lang="en-US" dirty="0">
-                <a:latin typeface="Times New Roman" panose="02020603050405020304" pitchFamily="18" charset="0"/>
-                <a:cs typeface="Times New Roman" panose="02020603050405020304" pitchFamily="18" charset="0"/>
-              </a:rPr>
-            </a:br>
-            <a:endParaRPr lang="en-US" dirty="0"/>
-          </a:p>
-        </p:txBody>
-      </p:sp>
-      <p:sp>
-        <p:nvSpPr>
-          <p:cNvPr id="6" name="Footer Placeholder 5">
+      </p:pic>
+      <p:sp>
+        <p:nvSpPr>
+          <p:cNvPr id="4" name="Footer Placeholder 3">
             <a:extLst>
               <a:ext uri="{FF2B5EF4-FFF2-40B4-BE49-F238E27FC236}">
-                <a16:creationId xmlns:a16="http://schemas.microsoft.com/office/drawing/2014/main" id="{4B608E52-3160-4FB5-9321-FA0230206FAF}"/>
+                <a16:creationId xmlns:a16="http://schemas.microsoft.com/office/drawing/2014/main" id="{B10119E2-47A8-4B77-ACC3-A54855000B3C}"/>
               </a:ext>
             </a:extLst>
           </p:cNvPr>
@@ -8226,10 +8290,10 @@
       </p:sp>
       <p:sp>
         <p:nvSpPr>
-          <p:cNvPr id="7" name="Slide Number Placeholder 6">
+          <p:cNvPr id="5" name="Slide Number Placeholder 4">
             <a:extLst>
               <a:ext uri="{FF2B5EF4-FFF2-40B4-BE49-F238E27FC236}">
-                <a16:creationId xmlns:a16="http://schemas.microsoft.com/office/drawing/2014/main" id="{B2E28E4D-841C-4814-8F4D-BA4586DE59F7}"/>
+                <a16:creationId xmlns:a16="http://schemas.microsoft.com/office/drawing/2014/main" id="{CC4D7613-E19B-4CFB-8CE7-9D7BDA395AD4}"/>
               </a:ext>
             </a:extLst>
           </p:cNvPr>
@@ -8256,7 +8320,7 @@
     </p:spTree>
     <p:extLst>
       <p:ext uri="{BB962C8B-B14F-4D97-AF65-F5344CB8AC3E}">
-        <p14:creationId xmlns:p14="http://schemas.microsoft.com/office/powerpoint/2010/main" val="964727621"/>
+        <p14:creationId xmlns:p14="http://schemas.microsoft.com/office/powerpoint/2010/main" val="3499311189"/>
       </p:ext>
     </p:extLst>
   </p:cSld>
@@ -8288,7 +8352,7 @@
           <p:cNvPr id="2" name="Title 1">
             <a:extLst>
               <a:ext uri="{FF2B5EF4-FFF2-40B4-BE49-F238E27FC236}">
-                <a16:creationId xmlns:a16="http://schemas.microsoft.com/office/drawing/2014/main" id="{C97ED26C-B80A-468B-9308-6F02858E1560}"/>
+                <a16:creationId xmlns:a16="http://schemas.microsoft.com/office/drawing/2014/main" id="{405F658A-143D-4B11-9418-4DFD99116EE8}"/>
               </a:ext>
             </a:extLst>
           </p:cNvPr>
@@ -8299,18 +8363,15 @@
             <p:ph type="title"/>
           </p:nvPr>
         </p:nvSpPr>
-        <p:spPr>
-          <a:xfrm>
-            <a:off x="646111" y="452718"/>
-            <a:ext cx="9404723" cy="934293"/>
-          </a:xfrm>
-        </p:spPr>
-        <p:txBody>
-          <a:bodyPr/>
-          <a:lstStyle/>
-          <a:p>
-            <a:r>
-              <a:rPr lang="en-US" b="1" dirty="0">
+        <p:spPr/>
+        <p:txBody>
+          <a:bodyPr>
+            <a:normAutofit fontScale="90000"/>
+          </a:bodyPr>
+          <a:lstStyle/>
+          <a:p>
+            <a:r>
+              <a:rPr lang="en-US" sz="4000" b="1" dirty="0">
                 <a:solidFill>
                   <a:schemeClr val="accent3"/>
                 </a:solidFill>
@@ -8324,8 +8385,24 @@
                 <a:latin typeface="Times New Roman" panose="02020603050405020304" pitchFamily="18" charset="0"/>
                 <a:cs typeface="Times New Roman" panose="02020603050405020304" pitchFamily="18" charset="0"/>
               </a:rPr>
-              <a:t>References</a:t>
-            </a:r>
+              <a:t>Benefits</a:t>
+            </a:r>
+            <a:br>
+              <a:rPr lang="en-US" sz="2400" b="1" dirty="0">
+                <a:latin typeface="Times New Roman" panose="02020603050405020304" pitchFamily="18" charset="0"/>
+                <a:cs typeface="Times New Roman" panose="02020603050405020304" pitchFamily="18" charset="0"/>
+              </a:rPr>
+            </a:br>
+            <a:br>
+              <a:rPr lang="en-US" sz="2400" b="1" dirty="0">
+                <a:latin typeface="Times New Roman" panose="02020603050405020304" pitchFamily="18" charset="0"/>
+                <a:cs typeface="Times New Roman" panose="02020603050405020304" pitchFamily="18" charset="0"/>
+              </a:rPr>
+            </a:br>
+            <a:endParaRPr lang="en-US" sz="2400" dirty="0">
+              <a:latin typeface="Times New Roman" panose="02020603050405020304" pitchFamily="18" charset="0"/>
+              <a:cs typeface="Times New Roman" panose="02020603050405020304" pitchFamily="18" charset="0"/>
+            </a:endParaRPr>
           </a:p>
         </p:txBody>
       </p:sp>
@@ -8334,7 +8411,7 @@
           <p:cNvPr id="3" name="Content Placeholder 2">
             <a:extLst>
               <a:ext uri="{FF2B5EF4-FFF2-40B4-BE49-F238E27FC236}">
-                <a16:creationId xmlns:a16="http://schemas.microsoft.com/office/drawing/2014/main" id="{5788D7AD-89B9-4372-933F-CB05EC9505E5}"/>
+                <a16:creationId xmlns:a16="http://schemas.microsoft.com/office/drawing/2014/main" id="{3C1589E6-2CE7-437E-B912-6C37A64FE22A}"/>
               </a:ext>
             </a:extLst>
           </p:cNvPr>
@@ -8347,12 +8424,14 @@
         </p:nvSpPr>
         <p:spPr>
           <a:xfrm>
-            <a:off x="1103312" y="1387012"/>
-            <a:ext cx="8946541" cy="4861388"/>
+            <a:off x="1103312" y="1335640"/>
+            <a:ext cx="8946541" cy="4912759"/>
           </a:xfrm>
         </p:spPr>
         <p:txBody>
-          <a:bodyPr/>
+          <a:bodyPr>
+            <a:normAutofit fontScale="92500" lnSpcReduction="10000"/>
+          </a:bodyPr>
           <a:lstStyle/>
           <a:p>
             <a:r>
@@ -8360,20 +8439,8 @@
                 <a:latin typeface="Times New Roman" panose="02020603050405020304" pitchFamily="18" charset="0"/>
                 <a:cs typeface="Times New Roman" panose="02020603050405020304" pitchFamily="18" charset="0"/>
               </a:rPr>
-              <a:t>Jira link: </a:t>
-            </a:r>
-            <a:r>
-              <a:rPr lang="en-US" dirty="0">
-                <a:latin typeface="Times New Roman" panose="02020603050405020304" pitchFamily="18" charset="0"/>
-                <a:cs typeface="Times New Roman" panose="02020603050405020304" pitchFamily="18" charset="0"/>
-                <a:hlinkClick r:id="rId2"/>
-              </a:rPr>
-              <a:t>https://sowmyathogiti27.atlassian.net/jira/software/projects/HN/boards/2</a:t>
-            </a:r>
-            <a:endParaRPr lang="en-US" dirty="0">
-              <a:latin typeface="Times New Roman" panose="02020603050405020304" pitchFamily="18" charset="0"/>
-              <a:cs typeface="Times New Roman" panose="02020603050405020304" pitchFamily="18" charset="0"/>
-            </a:endParaRPr>
+              <a:t>Monitor your diet everyday</a:t>
+            </a:r>
           </a:p>
           <a:p>
             <a:r>
@@ -8381,50 +8448,113 @@
                 <a:latin typeface="Times New Roman" panose="02020603050405020304" pitchFamily="18" charset="0"/>
                 <a:cs typeface="Times New Roman" panose="02020603050405020304" pitchFamily="18" charset="0"/>
               </a:rPr>
-              <a:t>FluidUI Link: </a:t>
-            </a:r>
-            <a:r>
-              <a:rPr lang="en-US" dirty="0">
-                <a:latin typeface="Times New Roman" panose="02020603050405020304" pitchFamily="18" charset="0"/>
-                <a:cs typeface="Times New Roman" panose="02020603050405020304" pitchFamily="18" charset="0"/>
-                <a:hlinkClick r:id="rId3"/>
-              </a:rPr>
-              <a:t>https://www.fluidui.com/editor/live/</a:t>
-            </a:r>
-            <a:endParaRPr lang="en-US" dirty="0">
-              <a:latin typeface="Times New Roman" panose="02020603050405020304" pitchFamily="18" charset="0"/>
-              <a:cs typeface="Times New Roman" panose="02020603050405020304" pitchFamily="18" charset="0"/>
-            </a:endParaRPr>
-          </a:p>
-          <a:p>
-            <a:r>
-              <a:rPr lang="en-US" dirty="0" err="1">
-                <a:latin typeface="Times New Roman" panose="02020603050405020304" pitchFamily="18" charset="0"/>
-                <a:cs typeface="Times New Roman" panose="02020603050405020304" pitchFamily="18" charset="0"/>
-              </a:rPr>
-              <a:t>Github</a:t>
-            </a:r>
+              <a:t>Track your footsteps</a:t>
+            </a:r>
+          </a:p>
+          <a:p>
             <a:r>
               <a:rPr lang="en-US" dirty="0">
                 <a:latin typeface="Times New Roman" panose="02020603050405020304" pitchFamily="18" charset="0"/>
                 <a:cs typeface="Times New Roman" panose="02020603050405020304" pitchFamily="18" charset="0"/>
               </a:rPr>
-              <a:t> Link: </a:t>
-            </a:r>
+              <a:t>Track your water intake</a:t>
+            </a:r>
+          </a:p>
+          <a:p>
             <a:r>
               <a:rPr lang="en-US" dirty="0">
                 <a:latin typeface="Times New Roman" panose="02020603050405020304" pitchFamily="18" charset="0"/>
                 <a:cs typeface="Times New Roman" panose="02020603050405020304" pitchFamily="18" charset="0"/>
-                <a:hlinkClick r:id="rId4"/>
               </a:rPr>
-              <a:t>https://github.com/sowmyathogiti/Healthify-NWMSU</a:t>
-            </a:r>
-            <a:endParaRPr lang="en-US" dirty="0">
-              <a:latin typeface="Times New Roman" panose="02020603050405020304" pitchFamily="18" charset="0"/>
-              <a:cs typeface="Times New Roman" panose="02020603050405020304" pitchFamily="18" charset="0"/>
-            </a:endParaRPr>
-          </a:p>
-          <a:p>
+              <a:t>Helps in calorie count</a:t>
+            </a:r>
+          </a:p>
+          <a:p>
+            <a:r>
+              <a:rPr lang="en-US" dirty="0">
+                <a:latin typeface="Times New Roman" panose="02020603050405020304" pitchFamily="18" charset="0"/>
+                <a:cs typeface="Times New Roman" panose="02020603050405020304" pitchFamily="18" charset="0"/>
+              </a:rPr>
+              <a:t>Set goals that you can achieve</a:t>
+            </a:r>
+          </a:p>
+          <a:p>
+            <a:r>
+              <a:rPr lang="en-US" dirty="0">
+                <a:latin typeface="Times New Roman" panose="02020603050405020304" pitchFamily="18" charset="0"/>
+                <a:cs typeface="Times New Roman" panose="02020603050405020304" pitchFamily="18" charset="0"/>
+              </a:rPr>
+              <a:t>Create your yoga studio</a:t>
+            </a:r>
+          </a:p>
+          <a:p>
+            <a:r>
+              <a:rPr lang="en-US" dirty="0">
+                <a:latin typeface="Times New Roman" panose="02020603050405020304" pitchFamily="18" charset="0"/>
+                <a:cs typeface="Times New Roman" panose="02020603050405020304" pitchFamily="18" charset="0"/>
+              </a:rPr>
+              <a:t>Easily keep track of your progress</a:t>
+            </a:r>
+          </a:p>
+          <a:p>
+            <a:r>
+              <a:rPr lang="en-US" dirty="0">
+                <a:latin typeface="Times New Roman" panose="02020603050405020304" pitchFamily="18" charset="0"/>
+                <a:cs typeface="Times New Roman" panose="02020603050405020304" pitchFamily="18" charset="0"/>
+              </a:rPr>
+              <a:t>Get free workout ideas</a:t>
+            </a:r>
+          </a:p>
+          <a:p>
+            <a:r>
+              <a:rPr lang="en-US" dirty="0">
+                <a:latin typeface="Times New Roman" panose="02020603050405020304" pitchFamily="18" charset="0"/>
+                <a:cs typeface="Times New Roman" panose="02020603050405020304" pitchFamily="18" charset="0"/>
+              </a:rPr>
+              <a:t>Heartrate tracking</a:t>
+            </a:r>
+          </a:p>
+          <a:p>
+            <a:r>
+              <a:rPr lang="en-US" dirty="0">
+                <a:latin typeface="Times New Roman" panose="02020603050405020304" pitchFamily="18" charset="0"/>
+                <a:cs typeface="Times New Roman" panose="02020603050405020304" pitchFamily="18" charset="0"/>
+              </a:rPr>
+              <a:t>Weight loss progression</a:t>
+            </a:r>
+          </a:p>
+          <a:p>
+            <a:r>
+              <a:rPr lang="en-US" dirty="0">
+                <a:latin typeface="Times New Roman" panose="02020603050405020304" pitchFamily="18" charset="0"/>
+                <a:cs typeface="Times New Roman" panose="02020603050405020304" pitchFamily="18" charset="0"/>
+              </a:rPr>
+              <a:t>Pedometer</a:t>
+            </a:r>
+          </a:p>
+          <a:p>
+            <a:r>
+              <a:rPr lang="en-US" dirty="0">
+                <a:latin typeface="Times New Roman" panose="02020603050405020304" pitchFamily="18" charset="0"/>
+                <a:cs typeface="Times New Roman" panose="02020603050405020304" pitchFamily="18" charset="0"/>
+              </a:rPr>
+              <a:t>Give free health and fitness tips</a:t>
+            </a:r>
+          </a:p>
+          <a:p>
+            <a:r>
+              <a:rPr lang="en-US" dirty="0">
+                <a:latin typeface="Times New Roman" panose="02020603050405020304" pitchFamily="18" charset="0"/>
+                <a:cs typeface="Times New Roman" panose="02020603050405020304" pitchFamily="18" charset="0"/>
+              </a:rPr>
+              <a:t>Keeps you Motivated</a:t>
+            </a:r>
+            <a:br>
+              <a:rPr lang="en-US" dirty="0">
+                <a:latin typeface="Times New Roman" panose="02020603050405020304" pitchFamily="18" charset="0"/>
+                <a:cs typeface="Times New Roman" panose="02020603050405020304" pitchFamily="18" charset="0"/>
+              </a:rPr>
+            </a:br>
             <a:endParaRPr lang="en-US" dirty="0"/>
           </a:p>
         </p:txBody>
@@ -8434,7 +8564,7 @@
           <p:cNvPr id="6" name="Footer Placeholder 5">
             <a:extLst>
               <a:ext uri="{FF2B5EF4-FFF2-40B4-BE49-F238E27FC236}">
-                <a16:creationId xmlns:a16="http://schemas.microsoft.com/office/drawing/2014/main" id="{9E920EAF-6020-4B29-9674-1A67459ED1C8}"/>
+                <a16:creationId xmlns:a16="http://schemas.microsoft.com/office/drawing/2014/main" id="{4B608E52-3160-4FB5-9321-FA0230206FAF}"/>
               </a:ext>
             </a:extLst>
           </p:cNvPr>
@@ -8462,7 +8592,7 @@
           <p:cNvPr id="7" name="Slide Number Placeholder 6">
             <a:extLst>
               <a:ext uri="{FF2B5EF4-FFF2-40B4-BE49-F238E27FC236}">
-                <a16:creationId xmlns:a16="http://schemas.microsoft.com/office/drawing/2014/main" id="{3426C4F2-2A88-4081-9B53-38FAE1053920}"/>
+                <a16:creationId xmlns:a16="http://schemas.microsoft.com/office/drawing/2014/main" id="{B2E28E4D-841C-4814-8F4D-BA4586DE59F7}"/>
               </a:ext>
             </a:extLst>
           </p:cNvPr>
@@ -8489,7 +8619,7 @@
     </p:spTree>
     <p:extLst>
       <p:ext uri="{BB962C8B-B14F-4D97-AF65-F5344CB8AC3E}">
-        <p14:creationId xmlns:p14="http://schemas.microsoft.com/office/powerpoint/2010/main" val="613347474"/>
+        <p14:creationId xmlns:p14="http://schemas.microsoft.com/office/powerpoint/2010/main" val="964727621"/>
       </p:ext>
     </p:extLst>
   </p:cSld>
@@ -8521,7 +8651,7 @@
           <p:cNvPr id="2" name="Title 1">
             <a:extLst>
               <a:ext uri="{FF2B5EF4-FFF2-40B4-BE49-F238E27FC236}">
-                <a16:creationId xmlns:a16="http://schemas.microsoft.com/office/drawing/2014/main" id="{2C604194-1C8A-4C9E-B1AF-0E12F8685766}"/>
+                <a16:creationId xmlns:a16="http://schemas.microsoft.com/office/drawing/2014/main" id="{C97ED26C-B80A-468B-9308-6F02858E1560}"/>
               </a:ext>
             </a:extLst>
           </p:cNvPr>
@@ -8532,12 +8662,33 @@
             <p:ph type="title"/>
           </p:nvPr>
         </p:nvSpPr>
-        <p:spPr/>
+        <p:spPr>
+          <a:xfrm>
+            <a:off x="646111" y="452718"/>
+            <a:ext cx="9404723" cy="934293"/>
+          </a:xfrm>
+        </p:spPr>
         <p:txBody>
           <a:bodyPr/>
           <a:lstStyle/>
           <a:p>
-            <a:endParaRPr lang="en-US"/>
+            <a:r>
+              <a:rPr lang="en-US" b="1" dirty="0">
+                <a:solidFill>
+                  <a:schemeClr val="accent3"/>
+                </a:solidFill>
+                <a:effectLst>
+                  <a:outerShdw blurRad="38100" dist="38100" dir="2700000" algn="tl">
+                    <a:srgbClr val="000000">
+                      <a:alpha val="43137"/>
+                    </a:srgbClr>
+                  </a:outerShdw>
+                </a:effectLst>
+                <a:latin typeface="Times New Roman" panose="02020603050405020304" pitchFamily="18" charset="0"/>
+                <a:cs typeface="Times New Roman" panose="02020603050405020304" pitchFamily="18" charset="0"/>
+              </a:rPr>
+              <a:t>References</a:t>
+            </a:r>
           </a:p>
         </p:txBody>
       </p:sp>
@@ -8546,7 +8697,7 @@
           <p:cNvPr id="3" name="Content Placeholder 2">
             <a:extLst>
               <a:ext uri="{FF2B5EF4-FFF2-40B4-BE49-F238E27FC236}">
-                <a16:creationId xmlns:a16="http://schemas.microsoft.com/office/drawing/2014/main" id="{3110738C-2F3D-4D74-8294-EACAC80F2821}"/>
+                <a16:creationId xmlns:a16="http://schemas.microsoft.com/office/drawing/2014/main" id="{5788D7AD-89B9-4372-933F-CB05EC9505E5}"/>
               </a:ext>
             </a:extLst>
           </p:cNvPr>
@@ -8557,21 +8708,96 @@
             <p:ph idx="1"/>
           </p:nvPr>
         </p:nvSpPr>
-        <p:spPr/>
+        <p:spPr>
+          <a:xfrm>
+            <a:off x="1103312" y="1387012"/>
+            <a:ext cx="8946541" cy="4861388"/>
+          </a:xfrm>
+        </p:spPr>
         <p:txBody>
           <a:bodyPr/>
           <a:lstStyle/>
           <a:p>
+            <a:r>
+              <a:rPr lang="en-US" dirty="0">
+                <a:latin typeface="Times New Roman" panose="02020603050405020304" pitchFamily="18" charset="0"/>
+                <a:cs typeface="Times New Roman" panose="02020603050405020304" pitchFamily="18" charset="0"/>
+              </a:rPr>
+              <a:t>Jira link: </a:t>
+            </a:r>
+            <a:r>
+              <a:rPr lang="en-US" dirty="0">
+                <a:latin typeface="Times New Roman" panose="02020603050405020304" pitchFamily="18" charset="0"/>
+                <a:cs typeface="Times New Roman" panose="02020603050405020304" pitchFamily="18" charset="0"/>
+                <a:hlinkClick r:id="rId2"/>
+              </a:rPr>
+              <a:t>https://sowmyathogiti27.atlassian.net/jira/software/projects/HN/boards/2</a:t>
+            </a:r>
+            <a:endParaRPr lang="en-US" dirty="0">
+              <a:latin typeface="Times New Roman" panose="02020603050405020304" pitchFamily="18" charset="0"/>
+              <a:cs typeface="Times New Roman" panose="02020603050405020304" pitchFamily="18" charset="0"/>
+            </a:endParaRPr>
+          </a:p>
+          <a:p>
+            <a:r>
+              <a:rPr lang="en-US" dirty="0">
+                <a:latin typeface="Times New Roman" panose="02020603050405020304" pitchFamily="18" charset="0"/>
+                <a:cs typeface="Times New Roman" panose="02020603050405020304" pitchFamily="18" charset="0"/>
+              </a:rPr>
+              <a:t>FluidUI Link: </a:t>
+            </a:r>
+            <a:r>
+              <a:rPr lang="en-US" dirty="0">
+                <a:latin typeface="Times New Roman" panose="02020603050405020304" pitchFamily="18" charset="0"/>
+                <a:cs typeface="Times New Roman" panose="02020603050405020304" pitchFamily="18" charset="0"/>
+                <a:hlinkClick r:id="rId3"/>
+              </a:rPr>
+              <a:t>https://www.fluidui.com/editor/live/</a:t>
+            </a:r>
+            <a:endParaRPr lang="en-US" dirty="0">
+              <a:latin typeface="Times New Roman" panose="02020603050405020304" pitchFamily="18" charset="0"/>
+              <a:cs typeface="Times New Roman" panose="02020603050405020304" pitchFamily="18" charset="0"/>
+            </a:endParaRPr>
+          </a:p>
+          <a:p>
+            <a:r>
+              <a:rPr lang="en-US" dirty="0" err="1">
+                <a:latin typeface="Times New Roman" panose="02020603050405020304" pitchFamily="18" charset="0"/>
+                <a:cs typeface="Times New Roman" panose="02020603050405020304" pitchFamily="18" charset="0"/>
+              </a:rPr>
+              <a:t>Github</a:t>
+            </a:r>
+            <a:r>
+              <a:rPr lang="en-US" dirty="0">
+                <a:latin typeface="Times New Roman" panose="02020603050405020304" pitchFamily="18" charset="0"/>
+                <a:cs typeface="Times New Roman" panose="02020603050405020304" pitchFamily="18" charset="0"/>
+              </a:rPr>
+              <a:t> Link: </a:t>
+            </a:r>
+            <a:r>
+              <a:rPr lang="en-US" dirty="0">
+                <a:latin typeface="Times New Roman" panose="02020603050405020304" pitchFamily="18" charset="0"/>
+                <a:cs typeface="Times New Roman" panose="02020603050405020304" pitchFamily="18" charset="0"/>
+                <a:hlinkClick r:id="rId4"/>
+              </a:rPr>
+              <a:t>https://github.com/sowmyathogiti/Healthify-NWMSU</a:t>
+            </a:r>
+            <a:endParaRPr lang="en-US" dirty="0">
+              <a:latin typeface="Times New Roman" panose="02020603050405020304" pitchFamily="18" charset="0"/>
+              <a:cs typeface="Times New Roman" panose="02020603050405020304" pitchFamily="18" charset="0"/>
+            </a:endParaRPr>
+          </a:p>
+          <a:p>
             <a:endParaRPr lang="en-US" dirty="0"/>
           </a:p>
         </p:txBody>
       </p:sp>
       <p:sp>
         <p:nvSpPr>
-          <p:cNvPr id="4" name="Footer Placeholder 3">
+          <p:cNvPr id="6" name="Footer Placeholder 5">
             <a:extLst>
               <a:ext uri="{FF2B5EF4-FFF2-40B4-BE49-F238E27FC236}">
-                <a16:creationId xmlns:a16="http://schemas.microsoft.com/office/drawing/2014/main" id="{E554116B-D012-45FA-859A-D28744FDB10A}"/>
+                <a16:creationId xmlns:a16="http://schemas.microsoft.com/office/drawing/2014/main" id="{9E920EAF-6020-4B29-9674-1A67459ED1C8}"/>
               </a:ext>
             </a:extLst>
           </p:cNvPr>
@@ -8596,10 +8822,10 @@
       </p:sp>
       <p:sp>
         <p:nvSpPr>
-          <p:cNvPr id="5" name="Slide Number Placeholder 4">
+          <p:cNvPr id="7" name="Slide Number Placeholder 6">
             <a:extLst>
               <a:ext uri="{FF2B5EF4-FFF2-40B4-BE49-F238E27FC236}">
-                <a16:creationId xmlns:a16="http://schemas.microsoft.com/office/drawing/2014/main" id="{39B7C093-84C7-4286-83CB-8ADB42C8BEBD}"/>
+                <a16:creationId xmlns:a16="http://schemas.microsoft.com/office/drawing/2014/main" id="{3426C4F2-2A88-4081-9B53-38FAE1053920}"/>
               </a:ext>
             </a:extLst>
           </p:cNvPr>
@@ -8618,6 +8844,143 @@
             <a:fld id="{FC6EDEEF-6E47-4D41-B312-2A124904AE2A}" type="slidenum">
               <a:rPr lang="en-US" smtClean="0"/>
               <a:t>18</a:t>
+            </a:fld>
+            <a:endParaRPr lang="en-US"/>
+          </a:p>
+        </p:txBody>
+      </p:sp>
+    </p:spTree>
+    <p:extLst>
+      <p:ext uri="{BB962C8B-B14F-4D97-AF65-F5344CB8AC3E}">
+        <p14:creationId xmlns:p14="http://schemas.microsoft.com/office/powerpoint/2010/main" val="613347474"/>
+      </p:ext>
+    </p:extLst>
+  </p:cSld>
+  <p:clrMapOvr>
+    <a:masterClrMapping/>
+  </p:clrMapOvr>
+</p:sld>
+</file>
+
+<file path=ppt/slides/slide19.xml><?xml version="1.0" encoding="utf-8"?>
+<p:sld xmlns:a="http://schemas.openxmlformats.org/drawingml/2006/main" xmlns:r="http://schemas.openxmlformats.org/officeDocument/2006/relationships" xmlns:p="http://schemas.openxmlformats.org/presentationml/2006/main">
+  <p:cSld>
+    <p:spTree>
+      <p:nvGrpSpPr>
+        <p:cNvPr id="1" name=""/>
+        <p:cNvGrpSpPr/>
+        <p:nvPr/>
+      </p:nvGrpSpPr>
+      <p:grpSpPr>
+        <a:xfrm>
+          <a:off x="0" y="0"/>
+          <a:ext cx="0" cy="0"/>
+          <a:chOff x="0" y="0"/>
+          <a:chExt cx="0" cy="0"/>
+        </a:xfrm>
+      </p:grpSpPr>
+      <p:sp>
+        <p:nvSpPr>
+          <p:cNvPr id="2" name="Title 1">
+            <a:extLst>
+              <a:ext uri="{FF2B5EF4-FFF2-40B4-BE49-F238E27FC236}">
+                <a16:creationId xmlns:a16="http://schemas.microsoft.com/office/drawing/2014/main" id="{2C604194-1C8A-4C9E-B1AF-0E12F8685766}"/>
+              </a:ext>
+            </a:extLst>
+          </p:cNvPr>
+          <p:cNvSpPr>
+            <a:spLocks noGrp="1"/>
+          </p:cNvSpPr>
+          <p:nvPr>
+            <p:ph type="title"/>
+          </p:nvPr>
+        </p:nvSpPr>
+        <p:spPr/>
+        <p:txBody>
+          <a:bodyPr/>
+          <a:lstStyle/>
+          <a:p>
+            <a:endParaRPr lang="en-US"/>
+          </a:p>
+        </p:txBody>
+      </p:sp>
+      <p:sp>
+        <p:nvSpPr>
+          <p:cNvPr id="3" name="Content Placeholder 2">
+            <a:extLst>
+              <a:ext uri="{FF2B5EF4-FFF2-40B4-BE49-F238E27FC236}">
+                <a16:creationId xmlns:a16="http://schemas.microsoft.com/office/drawing/2014/main" id="{3110738C-2F3D-4D74-8294-EACAC80F2821}"/>
+              </a:ext>
+            </a:extLst>
+          </p:cNvPr>
+          <p:cNvSpPr>
+            <a:spLocks noGrp="1"/>
+          </p:cNvSpPr>
+          <p:nvPr>
+            <p:ph idx="1"/>
+          </p:nvPr>
+        </p:nvSpPr>
+        <p:spPr/>
+        <p:txBody>
+          <a:bodyPr/>
+          <a:lstStyle/>
+          <a:p>
+            <a:endParaRPr lang="en-US" dirty="0"/>
+          </a:p>
+        </p:txBody>
+      </p:sp>
+      <p:sp>
+        <p:nvSpPr>
+          <p:cNvPr id="4" name="Footer Placeholder 3">
+            <a:extLst>
+              <a:ext uri="{FF2B5EF4-FFF2-40B4-BE49-F238E27FC236}">
+                <a16:creationId xmlns:a16="http://schemas.microsoft.com/office/drawing/2014/main" id="{E554116B-D012-45FA-859A-D28744FDB10A}"/>
+              </a:ext>
+            </a:extLst>
+          </p:cNvPr>
+          <p:cNvSpPr>
+            <a:spLocks noGrp="1"/>
+          </p:cNvSpPr>
+          <p:nvPr>
+            <p:ph type="ftr" sz="quarter" idx="11"/>
+          </p:nvPr>
+        </p:nvSpPr>
+        <p:spPr/>
+        <p:txBody>
+          <a:bodyPr/>
+          <a:lstStyle/>
+          <a:p>
+            <a:r>
+              <a:rPr lang="en-US"/>
+              <a:t>HEALTHIFY</a:t>
+            </a:r>
+          </a:p>
+        </p:txBody>
+      </p:sp>
+      <p:sp>
+        <p:nvSpPr>
+          <p:cNvPr id="5" name="Slide Number Placeholder 4">
+            <a:extLst>
+              <a:ext uri="{FF2B5EF4-FFF2-40B4-BE49-F238E27FC236}">
+                <a16:creationId xmlns:a16="http://schemas.microsoft.com/office/drawing/2014/main" id="{39B7C093-84C7-4286-83CB-8ADB42C8BEBD}"/>
+              </a:ext>
+            </a:extLst>
+          </p:cNvPr>
+          <p:cNvSpPr>
+            <a:spLocks noGrp="1"/>
+          </p:cNvSpPr>
+          <p:nvPr>
+            <p:ph type="sldNum" sz="quarter" idx="12"/>
+          </p:nvPr>
+        </p:nvSpPr>
+        <p:spPr/>
+        <p:txBody>
+          <a:bodyPr/>
+          <a:lstStyle/>
+          <a:p>
+            <a:fld id="{FC6EDEEF-6E47-4D41-B312-2A124904AE2A}" type="slidenum">
+              <a:rPr lang="en-US" smtClean="0"/>
+              <a:t>19</a:t>
             </a:fld>
             <a:endParaRPr lang="en-US"/>
           </a:p>
@@ -8688,7 +9051,510 @@
 </p:sld>
 </file>
 
-<file path=ppt/slides/slide19.xml><?xml version="1.0" encoding="utf-8"?>
+<file path=ppt/slides/slide2.xml><?xml version="1.0" encoding="utf-8"?>
+<p:sld xmlns:a="http://schemas.openxmlformats.org/drawingml/2006/main" xmlns:r="http://schemas.openxmlformats.org/officeDocument/2006/relationships" xmlns:p="http://schemas.openxmlformats.org/presentationml/2006/main">
+  <p:cSld>
+    <p:spTree>
+      <p:nvGrpSpPr>
+        <p:cNvPr id="1" name=""/>
+        <p:cNvGrpSpPr/>
+        <p:nvPr/>
+      </p:nvGrpSpPr>
+      <p:grpSpPr>
+        <a:xfrm>
+          <a:off x="0" y="0"/>
+          <a:ext cx="0" cy="0"/>
+          <a:chOff x="0" y="0"/>
+          <a:chExt cx="0" cy="0"/>
+        </a:xfrm>
+      </p:grpSpPr>
+      <p:sp>
+        <p:nvSpPr>
+          <p:cNvPr id="2" name="Title 1">
+            <a:extLst>
+              <a:ext uri="{FF2B5EF4-FFF2-40B4-BE49-F238E27FC236}">
+                <a16:creationId xmlns:a16="http://schemas.microsoft.com/office/drawing/2014/main" id="{8D92169C-45B9-4F5C-BC19-6EF2F92BC840}"/>
+              </a:ext>
+            </a:extLst>
+          </p:cNvPr>
+          <p:cNvSpPr>
+            <a:spLocks noGrp="1"/>
+          </p:cNvSpPr>
+          <p:nvPr>
+            <p:ph type="title"/>
+          </p:nvPr>
+        </p:nvSpPr>
+        <p:spPr/>
+        <p:txBody>
+          <a:bodyPr/>
+          <a:lstStyle/>
+          <a:p>
+            <a:endParaRPr lang="en-US" dirty="0"/>
+          </a:p>
+        </p:txBody>
+      </p:sp>
+      <p:sp>
+        <p:nvSpPr>
+          <p:cNvPr id="3" name="Content Placeholder 2">
+            <a:extLst>
+              <a:ext uri="{FF2B5EF4-FFF2-40B4-BE49-F238E27FC236}">
+                <a16:creationId xmlns:a16="http://schemas.microsoft.com/office/drawing/2014/main" id="{407994A8-EF1A-40FF-9A23-10EC476C603B}"/>
+              </a:ext>
+            </a:extLst>
+          </p:cNvPr>
+          <p:cNvSpPr>
+            <a:spLocks noGrp="1"/>
+          </p:cNvSpPr>
+          <p:nvPr>
+            <p:ph idx="1"/>
+          </p:nvPr>
+        </p:nvSpPr>
+        <p:spPr>
+          <a:xfrm>
+            <a:off x="369869" y="365125"/>
+            <a:ext cx="11578975" cy="5811838"/>
+          </a:xfrm>
+        </p:spPr>
+        <p:txBody>
+          <a:bodyPr>
+            <a:normAutofit/>
+          </a:bodyPr>
+          <a:lstStyle/>
+          <a:p>
+            <a:pPr marL="0" indent="0">
+              <a:buNone/>
+            </a:pPr>
+            <a:r>
+              <a:rPr lang="en-US" dirty="0">
+                <a:latin typeface="Times New Roman" panose="02020603050405020304" pitchFamily="18" charset="0"/>
+                <a:cs typeface="Times New Roman" panose="02020603050405020304" pitchFamily="18" charset="0"/>
+              </a:rPr>
+              <a:t>						</a:t>
+            </a:r>
+          </a:p>
+          <a:p>
+            <a:pPr marL="0" indent="0">
+              <a:buNone/>
+            </a:pPr>
+            <a:r>
+              <a:rPr lang="en-US" dirty="0">
+                <a:latin typeface="Times New Roman" panose="02020603050405020304" pitchFamily="18" charset="0"/>
+                <a:cs typeface="Times New Roman" panose="02020603050405020304" pitchFamily="18" charset="0"/>
+              </a:rPr>
+              <a:t>				     				</a:t>
+            </a:r>
+            <a:r>
+              <a:rPr lang="en-US" sz="3600" b="1" dirty="0">
+                <a:solidFill>
+                  <a:schemeClr val="accent3"/>
+                </a:solidFill>
+                <a:effectLst>
+                  <a:outerShdw blurRad="38100" dist="38100" dir="2700000" algn="tl">
+                    <a:srgbClr val="000000">
+                      <a:alpha val="43137"/>
+                    </a:srgbClr>
+                  </a:outerShdw>
+                </a:effectLst>
+                <a:latin typeface="Times New Roman" panose="02020603050405020304" pitchFamily="18" charset="0"/>
+                <a:cs typeface="Times New Roman" panose="02020603050405020304" pitchFamily="18" charset="0"/>
+              </a:rPr>
+              <a:t>Group Members</a:t>
+            </a:r>
+          </a:p>
+          <a:p>
+            <a:endParaRPr lang="en-US" dirty="0">
+              <a:latin typeface="Times New Roman" panose="02020603050405020304" pitchFamily="18" charset="0"/>
+              <a:cs typeface="Times New Roman" panose="02020603050405020304" pitchFamily="18" charset="0"/>
+            </a:endParaRPr>
+          </a:p>
+          <a:p>
+            <a:pPr marL="0" indent="0">
+              <a:buNone/>
+            </a:pPr>
+            <a:r>
+              <a:rPr lang="en-US" dirty="0">
+                <a:latin typeface="Times New Roman" panose="02020603050405020304" pitchFamily="18" charset="0"/>
+                <a:cs typeface="Times New Roman" panose="02020603050405020304" pitchFamily="18" charset="0"/>
+              </a:rPr>
+              <a:t>   Sowmya </a:t>
+            </a:r>
+            <a:r>
+              <a:rPr lang="en-US" dirty="0" err="1">
+                <a:latin typeface="Times New Roman" panose="02020603050405020304" pitchFamily="18" charset="0"/>
+                <a:cs typeface="Times New Roman" panose="02020603050405020304" pitchFamily="18" charset="0"/>
+              </a:rPr>
+              <a:t>Thogiti</a:t>
+            </a:r>
+            <a:r>
+              <a:rPr lang="en-US" dirty="0">
+                <a:latin typeface="Times New Roman" panose="02020603050405020304" pitchFamily="18" charset="0"/>
+                <a:cs typeface="Times New Roman" panose="02020603050405020304" pitchFamily="18" charset="0"/>
+              </a:rPr>
+              <a:t>		 </a:t>
+            </a:r>
+            <a:r>
+              <a:rPr lang="en-US" dirty="0" err="1">
+                <a:latin typeface="Times New Roman" panose="02020603050405020304" pitchFamily="18" charset="0"/>
+                <a:cs typeface="Times New Roman" panose="02020603050405020304" pitchFamily="18" charset="0"/>
+              </a:rPr>
+              <a:t>Vineetha</a:t>
+            </a:r>
+            <a:r>
+              <a:rPr lang="en-US" dirty="0">
+                <a:latin typeface="Times New Roman" panose="02020603050405020304" pitchFamily="18" charset="0"/>
+                <a:cs typeface="Times New Roman" panose="02020603050405020304" pitchFamily="18" charset="0"/>
+              </a:rPr>
+              <a:t> </a:t>
+            </a:r>
+            <a:r>
+              <a:rPr lang="en-US" dirty="0" err="1">
+                <a:latin typeface="Times New Roman" panose="02020603050405020304" pitchFamily="18" charset="0"/>
+                <a:cs typeface="Times New Roman" panose="02020603050405020304" pitchFamily="18" charset="0"/>
+              </a:rPr>
+              <a:t>Yenugula</a:t>
+            </a:r>
+            <a:r>
+              <a:rPr lang="en-US" dirty="0">
+                <a:latin typeface="Times New Roman" panose="02020603050405020304" pitchFamily="18" charset="0"/>
+                <a:cs typeface="Times New Roman" panose="02020603050405020304" pitchFamily="18" charset="0"/>
+              </a:rPr>
+              <a:t>   	     Swaroopa 	  		   Naga Anshitha    	            Shiva Rama</a:t>
+            </a:r>
+          </a:p>
+          <a:p>
+            <a:pPr marL="0" indent="0">
+              <a:buNone/>
+            </a:pPr>
+            <a:r>
+              <a:rPr lang="en-US" dirty="0">
+                <a:latin typeface="Times New Roman" panose="02020603050405020304" pitchFamily="18" charset="0"/>
+                <a:cs typeface="Times New Roman" panose="02020603050405020304" pitchFamily="18" charset="0"/>
+              </a:rPr>
+              <a:t>(Project Manager)	       (</a:t>
+            </a:r>
+            <a:r>
+              <a:rPr lang="en-US" dirty="0" err="1">
+                <a:latin typeface="Times New Roman" panose="02020603050405020304" pitchFamily="18" charset="0"/>
+                <a:cs typeface="Times New Roman" panose="02020603050405020304" pitchFamily="18" charset="0"/>
+              </a:rPr>
+              <a:t>Fullstack</a:t>
+            </a:r>
+            <a:r>
+              <a:rPr lang="en-US" dirty="0">
+                <a:latin typeface="Times New Roman" panose="02020603050405020304" pitchFamily="18" charset="0"/>
+                <a:cs typeface="Times New Roman" panose="02020603050405020304" pitchFamily="18" charset="0"/>
+              </a:rPr>
+              <a:t> Developer)      </a:t>
+            </a:r>
+            <a:r>
+              <a:rPr lang="en-US" dirty="0" err="1">
+                <a:latin typeface="Times New Roman" panose="02020603050405020304" pitchFamily="18" charset="0"/>
+                <a:cs typeface="Times New Roman" panose="02020603050405020304" pitchFamily="18" charset="0"/>
+              </a:rPr>
+              <a:t>Thirumalareddy</a:t>
+            </a:r>
+            <a:r>
+              <a:rPr lang="en-US" dirty="0">
+                <a:latin typeface="Times New Roman" panose="02020603050405020304" pitchFamily="18" charset="0"/>
+                <a:cs typeface="Times New Roman" panose="02020603050405020304" pitchFamily="18" charset="0"/>
+              </a:rPr>
+              <a:t>		     Velagapudi		         Krishna </a:t>
+            </a:r>
+            <a:r>
+              <a:rPr lang="en-US" dirty="0" err="1">
+                <a:latin typeface="Times New Roman" panose="02020603050405020304" pitchFamily="18" charset="0"/>
+                <a:cs typeface="Times New Roman" panose="02020603050405020304" pitchFamily="18" charset="0"/>
+              </a:rPr>
+              <a:t>Vodnala</a:t>
+            </a:r>
+            <a:endParaRPr lang="en-US" dirty="0"/>
+          </a:p>
+          <a:p>
+            <a:pPr marL="3657600" lvl="8" indent="0">
+              <a:buNone/>
+            </a:pPr>
+            <a:r>
+              <a:rPr lang="en-US" sz="1800" dirty="0">
+                <a:latin typeface="Times New Roman" panose="02020603050405020304" pitchFamily="18" charset="0"/>
+                <a:cs typeface="Times New Roman" panose="02020603050405020304" pitchFamily="18" charset="0"/>
+              </a:rPr>
+              <a:t>              (Backend Developer)	  (UI and Tester)	        (DB Administrator)					</a:t>
+            </a:r>
+          </a:p>
+          <a:p>
+            <a:pPr marL="0" indent="0">
+              <a:buNone/>
+            </a:pPr>
+            <a:r>
+              <a:rPr lang="en-US" dirty="0">
+                <a:latin typeface="Times New Roman" panose="02020603050405020304" pitchFamily="18" charset="0"/>
+                <a:cs typeface="Times New Roman" panose="02020603050405020304" pitchFamily="18" charset="0"/>
+              </a:rPr>
+              <a:t>			</a:t>
+            </a:r>
+          </a:p>
+          <a:p>
+            <a:pPr marL="0" indent="0">
+              <a:buNone/>
+            </a:pPr>
+            <a:endParaRPr lang="en-US" dirty="0">
+              <a:latin typeface="Times New Roman" panose="02020603050405020304" pitchFamily="18" charset="0"/>
+              <a:cs typeface="Times New Roman" panose="02020603050405020304" pitchFamily="18" charset="0"/>
+            </a:endParaRPr>
+          </a:p>
+        </p:txBody>
+      </p:sp>
+      <p:pic>
+        <p:nvPicPr>
+          <p:cNvPr id="5" name="Picture 4" descr="A person standing in front of a body of water&#10;&#10;Description automatically generated">
+            <a:extLst>
+              <a:ext uri="{FF2B5EF4-FFF2-40B4-BE49-F238E27FC236}">
+                <a16:creationId xmlns:a16="http://schemas.microsoft.com/office/drawing/2014/main" id="{92DB79B2-DF6D-431D-8B85-E3B38A6179B2}"/>
+              </a:ext>
+            </a:extLst>
+          </p:cNvPr>
+          <p:cNvPicPr>
+            <a:picLocks noChangeAspect="1"/>
+          </p:cNvPicPr>
+          <p:nvPr/>
+        </p:nvPicPr>
+        <p:blipFill>
+          <a:blip r:embed="rId2">
+            <a:extLst>
+              <a:ext uri="{28A0092B-C50C-407E-A947-70E740481C1C}">
+                <a14:useLocalDpi xmlns:a14="http://schemas.microsoft.com/office/drawing/2010/main" val="0"/>
+              </a:ext>
+            </a:extLst>
+          </a:blip>
+          <a:stretch>
+            <a:fillRect/>
+          </a:stretch>
+        </p:blipFill>
+        <p:spPr>
+          <a:xfrm>
+            <a:off x="2843139" y="3044160"/>
+            <a:ext cx="1532972" cy="2038355"/>
+          </a:xfrm>
+          <a:prstGeom prst="rect">
+            <a:avLst/>
+          </a:prstGeom>
+        </p:spPr>
+      </p:pic>
+      <p:pic>
+        <p:nvPicPr>
+          <p:cNvPr id="7" name="Picture 6" descr="A person smiling for the camera&#10;&#10;Description automatically generated">
+            <a:extLst>
+              <a:ext uri="{FF2B5EF4-FFF2-40B4-BE49-F238E27FC236}">
+                <a16:creationId xmlns:a16="http://schemas.microsoft.com/office/drawing/2014/main" id="{64698B35-8E26-4280-AFB3-C7EAA5BE7E87}"/>
+              </a:ext>
+            </a:extLst>
+          </p:cNvPr>
+          <p:cNvPicPr>
+            <a:picLocks noChangeAspect="1"/>
+          </p:cNvPicPr>
+          <p:nvPr/>
+        </p:nvPicPr>
+        <p:blipFill>
+          <a:blip r:embed="rId3">
+            <a:extLst>
+              <a:ext uri="{28A0092B-C50C-407E-A947-70E740481C1C}">
+                <a14:useLocalDpi xmlns:a14="http://schemas.microsoft.com/office/drawing/2010/main" val="0"/>
+              </a:ext>
+            </a:extLst>
+          </a:blip>
+          <a:stretch>
+            <a:fillRect/>
+          </a:stretch>
+        </p:blipFill>
+        <p:spPr>
+          <a:xfrm>
+            <a:off x="9730722" y="3156373"/>
+            <a:ext cx="1532973" cy="2038356"/>
+          </a:xfrm>
+          <a:prstGeom prst="rect">
+            <a:avLst/>
+          </a:prstGeom>
+        </p:spPr>
+      </p:pic>
+      <p:pic>
+        <p:nvPicPr>
+          <p:cNvPr id="9" name="Picture 8" descr="A person smiling for the camera&#10;&#10;Description automatically generated">
+            <a:extLst>
+              <a:ext uri="{FF2B5EF4-FFF2-40B4-BE49-F238E27FC236}">
+                <a16:creationId xmlns:a16="http://schemas.microsoft.com/office/drawing/2014/main" id="{4DC14134-59B9-40CD-B4BE-E8D1F5CD7132}"/>
+              </a:ext>
+            </a:extLst>
+          </p:cNvPr>
+          <p:cNvPicPr>
+            <a:picLocks noChangeAspect="1"/>
+          </p:cNvPicPr>
+          <p:nvPr/>
+        </p:nvPicPr>
+        <p:blipFill>
+          <a:blip r:embed="rId4">
+            <a:extLst>
+              <a:ext uri="{28A0092B-C50C-407E-A947-70E740481C1C}">
+                <a14:useLocalDpi xmlns:a14="http://schemas.microsoft.com/office/drawing/2010/main" val="0"/>
+              </a:ext>
+            </a:extLst>
+          </a:blip>
+          <a:stretch>
+            <a:fillRect/>
+          </a:stretch>
+        </p:blipFill>
+        <p:spPr>
+          <a:xfrm>
+            <a:off x="7399360" y="3156373"/>
+            <a:ext cx="1532972" cy="2038356"/>
+          </a:xfrm>
+          <a:prstGeom prst="rect">
+            <a:avLst/>
+          </a:prstGeom>
+        </p:spPr>
+      </p:pic>
+      <p:pic>
+        <p:nvPicPr>
+          <p:cNvPr id="6" name="Picture 5" descr="A person standing in front of a house&#10;&#10;Description automatically generated">
+            <a:extLst>
+              <a:ext uri="{FF2B5EF4-FFF2-40B4-BE49-F238E27FC236}">
+                <a16:creationId xmlns:a16="http://schemas.microsoft.com/office/drawing/2014/main" id="{BB84EB3D-8FB7-429A-8E57-A3E8E731121F}"/>
+              </a:ext>
+            </a:extLst>
+          </p:cNvPr>
+          <p:cNvPicPr>
+            <a:picLocks noChangeAspect="1"/>
+          </p:cNvPicPr>
+          <p:nvPr/>
+        </p:nvPicPr>
+        <p:blipFill>
+          <a:blip r:embed="rId5">
+            <a:extLst>
+              <a:ext uri="{28A0092B-C50C-407E-A947-70E740481C1C}">
+                <a14:useLocalDpi xmlns:a14="http://schemas.microsoft.com/office/drawing/2010/main" val="0"/>
+              </a:ext>
+            </a:extLst>
+          </a:blip>
+          <a:stretch>
+            <a:fillRect/>
+          </a:stretch>
+        </p:blipFill>
+        <p:spPr>
+          <a:xfrm>
+            <a:off x="5098498" y="3084327"/>
+            <a:ext cx="1436568" cy="2038356"/>
+          </a:xfrm>
+          <a:prstGeom prst="rect">
+            <a:avLst/>
+          </a:prstGeom>
+        </p:spPr>
+      </p:pic>
+      <p:pic>
+        <p:nvPicPr>
+          <p:cNvPr id="10" name="Picture 9" descr="A person taking a selfie&#10;&#10;Description automatically generated">
+            <a:extLst>
+              <a:ext uri="{FF2B5EF4-FFF2-40B4-BE49-F238E27FC236}">
+                <a16:creationId xmlns:a16="http://schemas.microsoft.com/office/drawing/2014/main" id="{1D3FEEC3-AF16-4966-A8CF-1233051B5509}"/>
+              </a:ext>
+            </a:extLst>
+          </p:cNvPr>
+          <p:cNvPicPr>
+            <a:picLocks noChangeAspect="1"/>
+          </p:cNvPicPr>
+          <p:nvPr/>
+        </p:nvPicPr>
+        <p:blipFill>
+          <a:blip r:embed="rId6">
+            <a:extLst>
+              <a:ext uri="{28A0092B-C50C-407E-A947-70E740481C1C}">
+                <a14:useLocalDpi xmlns:a14="http://schemas.microsoft.com/office/drawing/2010/main" val="0"/>
+              </a:ext>
+            </a:extLst>
+          </a:blip>
+          <a:stretch>
+            <a:fillRect/>
+          </a:stretch>
+        </p:blipFill>
+        <p:spPr>
+          <a:xfrm>
+            <a:off x="666722" y="3084327"/>
+            <a:ext cx="1454030" cy="1938708"/>
+          </a:xfrm>
+          <a:prstGeom prst="rect">
+            <a:avLst/>
+          </a:prstGeom>
+        </p:spPr>
+      </p:pic>
+      <p:sp>
+        <p:nvSpPr>
+          <p:cNvPr id="13" name="Footer Placeholder 12">
+            <a:extLst>
+              <a:ext uri="{FF2B5EF4-FFF2-40B4-BE49-F238E27FC236}">
+                <a16:creationId xmlns:a16="http://schemas.microsoft.com/office/drawing/2014/main" id="{4DEB0D3C-FC0C-4AAE-8B1A-1CD6D3894DE9}"/>
+              </a:ext>
+            </a:extLst>
+          </p:cNvPr>
+          <p:cNvSpPr>
+            <a:spLocks noGrp="1"/>
+          </p:cNvSpPr>
+          <p:nvPr>
+            <p:ph type="ftr" sz="quarter" idx="11"/>
+          </p:nvPr>
+        </p:nvSpPr>
+        <p:spPr/>
+        <p:txBody>
+          <a:bodyPr/>
+          <a:lstStyle/>
+          <a:p>
+            <a:r>
+              <a:rPr lang="en-US"/>
+              <a:t>HEALTHIFY</a:t>
+            </a:r>
+          </a:p>
+        </p:txBody>
+      </p:sp>
+      <p:sp>
+        <p:nvSpPr>
+          <p:cNvPr id="15" name="Slide Number Placeholder 14">
+            <a:extLst>
+              <a:ext uri="{FF2B5EF4-FFF2-40B4-BE49-F238E27FC236}">
+                <a16:creationId xmlns:a16="http://schemas.microsoft.com/office/drawing/2014/main" id="{2FAD1378-BCC4-42D6-A20E-EC601EC1DFD7}"/>
+              </a:ext>
+            </a:extLst>
+          </p:cNvPr>
+          <p:cNvSpPr>
+            <a:spLocks noGrp="1"/>
+          </p:cNvSpPr>
+          <p:nvPr>
+            <p:ph type="sldNum" sz="quarter" idx="12"/>
+          </p:nvPr>
+        </p:nvSpPr>
+        <p:spPr/>
+        <p:txBody>
+          <a:bodyPr/>
+          <a:lstStyle/>
+          <a:p>
+            <a:fld id="{FC6EDEEF-6E47-4D41-B312-2A124904AE2A}" type="slidenum">
+              <a:rPr lang="en-US" smtClean="0"/>
+              <a:t>2</a:t>
+            </a:fld>
+            <a:endParaRPr lang="en-US"/>
+          </a:p>
+        </p:txBody>
+      </p:sp>
+    </p:spTree>
+    <p:extLst>
+      <p:ext uri="{BB962C8B-B14F-4D97-AF65-F5344CB8AC3E}">
+        <p14:creationId xmlns:p14="http://schemas.microsoft.com/office/powerpoint/2010/main" val="4176327129"/>
+      </p:ext>
+    </p:extLst>
+  </p:cSld>
+  <p:clrMapOvr>
+    <a:masterClrMapping/>
+  </p:clrMapOvr>
+</p:sld>
+</file>
+
+<file path=ppt/slides/slide20.xml><?xml version="1.0" encoding="utf-8"?>
 <p:sld xmlns:a="http://schemas.openxmlformats.org/drawingml/2006/main" xmlns:r="http://schemas.openxmlformats.org/officeDocument/2006/relationships" xmlns:p="http://schemas.openxmlformats.org/presentationml/2006/main">
   <p:cSld>
     <p:bg>
@@ -8936,7 +9802,7 @@
                   <a:spcPts val="600"/>
                 </a:spcAft>
               </a:pPr>
-              <a:t>19</a:t>
+              <a:t>20</a:t>
             </a:fld>
             <a:endParaRPr lang="en-US"/>
           </a:p>
@@ -8946,509 +9812,6 @@
     <p:extLst>
       <p:ext uri="{BB962C8B-B14F-4D97-AF65-F5344CB8AC3E}">
         <p14:creationId xmlns:p14="http://schemas.microsoft.com/office/powerpoint/2010/main" val="355826045"/>
-      </p:ext>
-    </p:extLst>
-  </p:cSld>
-  <p:clrMapOvr>
-    <a:masterClrMapping/>
-  </p:clrMapOvr>
-</p:sld>
-</file>
-
-<file path=ppt/slides/slide2.xml><?xml version="1.0" encoding="utf-8"?>
-<p:sld xmlns:a="http://schemas.openxmlformats.org/drawingml/2006/main" xmlns:r="http://schemas.openxmlformats.org/officeDocument/2006/relationships" xmlns:p="http://schemas.openxmlformats.org/presentationml/2006/main">
-  <p:cSld>
-    <p:spTree>
-      <p:nvGrpSpPr>
-        <p:cNvPr id="1" name=""/>
-        <p:cNvGrpSpPr/>
-        <p:nvPr/>
-      </p:nvGrpSpPr>
-      <p:grpSpPr>
-        <a:xfrm>
-          <a:off x="0" y="0"/>
-          <a:ext cx="0" cy="0"/>
-          <a:chOff x="0" y="0"/>
-          <a:chExt cx="0" cy="0"/>
-        </a:xfrm>
-      </p:grpSpPr>
-      <p:sp>
-        <p:nvSpPr>
-          <p:cNvPr id="2" name="Title 1">
-            <a:extLst>
-              <a:ext uri="{FF2B5EF4-FFF2-40B4-BE49-F238E27FC236}">
-                <a16:creationId xmlns:a16="http://schemas.microsoft.com/office/drawing/2014/main" id="{8D92169C-45B9-4F5C-BC19-6EF2F92BC840}"/>
-              </a:ext>
-            </a:extLst>
-          </p:cNvPr>
-          <p:cNvSpPr>
-            <a:spLocks noGrp="1"/>
-          </p:cNvSpPr>
-          <p:nvPr>
-            <p:ph type="title"/>
-          </p:nvPr>
-        </p:nvSpPr>
-        <p:spPr/>
-        <p:txBody>
-          <a:bodyPr/>
-          <a:lstStyle/>
-          <a:p>
-            <a:endParaRPr lang="en-US" dirty="0"/>
-          </a:p>
-        </p:txBody>
-      </p:sp>
-      <p:sp>
-        <p:nvSpPr>
-          <p:cNvPr id="3" name="Content Placeholder 2">
-            <a:extLst>
-              <a:ext uri="{FF2B5EF4-FFF2-40B4-BE49-F238E27FC236}">
-                <a16:creationId xmlns:a16="http://schemas.microsoft.com/office/drawing/2014/main" id="{407994A8-EF1A-40FF-9A23-10EC476C603B}"/>
-              </a:ext>
-            </a:extLst>
-          </p:cNvPr>
-          <p:cNvSpPr>
-            <a:spLocks noGrp="1"/>
-          </p:cNvSpPr>
-          <p:nvPr>
-            <p:ph idx="1"/>
-          </p:nvPr>
-        </p:nvSpPr>
-        <p:spPr>
-          <a:xfrm>
-            <a:off x="369869" y="365125"/>
-            <a:ext cx="11578975" cy="5811838"/>
-          </a:xfrm>
-        </p:spPr>
-        <p:txBody>
-          <a:bodyPr>
-            <a:normAutofit/>
-          </a:bodyPr>
-          <a:lstStyle/>
-          <a:p>
-            <a:pPr marL="0" indent="0">
-              <a:buNone/>
-            </a:pPr>
-            <a:r>
-              <a:rPr lang="en-US" dirty="0">
-                <a:latin typeface="Times New Roman" panose="02020603050405020304" pitchFamily="18" charset="0"/>
-                <a:cs typeface="Times New Roman" panose="02020603050405020304" pitchFamily="18" charset="0"/>
-              </a:rPr>
-              <a:t>						</a:t>
-            </a:r>
-          </a:p>
-          <a:p>
-            <a:pPr marL="0" indent="0">
-              <a:buNone/>
-            </a:pPr>
-            <a:r>
-              <a:rPr lang="en-US" dirty="0">
-                <a:latin typeface="Times New Roman" panose="02020603050405020304" pitchFamily="18" charset="0"/>
-                <a:cs typeface="Times New Roman" panose="02020603050405020304" pitchFamily="18" charset="0"/>
-              </a:rPr>
-              <a:t>				     				</a:t>
-            </a:r>
-            <a:r>
-              <a:rPr lang="en-US" sz="3600" b="1" dirty="0">
-                <a:solidFill>
-                  <a:schemeClr val="accent3"/>
-                </a:solidFill>
-                <a:effectLst>
-                  <a:outerShdw blurRad="38100" dist="38100" dir="2700000" algn="tl">
-                    <a:srgbClr val="000000">
-                      <a:alpha val="43137"/>
-                    </a:srgbClr>
-                  </a:outerShdw>
-                </a:effectLst>
-                <a:latin typeface="Times New Roman" panose="02020603050405020304" pitchFamily="18" charset="0"/>
-                <a:cs typeface="Times New Roman" panose="02020603050405020304" pitchFamily="18" charset="0"/>
-              </a:rPr>
-              <a:t>Group Members</a:t>
-            </a:r>
-          </a:p>
-          <a:p>
-            <a:endParaRPr lang="en-US" dirty="0">
-              <a:latin typeface="Times New Roman" panose="02020603050405020304" pitchFamily="18" charset="0"/>
-              <a:cs typeface="Times New Roman" panose="02020603050405020304" pitchFamily="18" charset="0"/>
-            </a:endParaRPr>
-          </a:p>
-          <a:p>
-            <a:pPr marL="0" indent="0">
-              <a:buNone/>
-            </a:pPr>
-            <a:r>
-              <a:rPr lang="en-US" dirty="0">
-                <a:latin typeface="Times New Roman" panose="02020603050405020304" pitchFamily="18" charset="0"/>
-                <a:cs typeface="Times New Roman" panose="02020603050405020304" pitchFamily="18" charset="0"/>
-              </a:rPr>
-              <a:t>   Sowmya </a:t>
-            </a:r>
-            <a:r>
-              <a:rPr lang="en-US" dirty="0" err="1">
-                <a:latin typeface="Times New Roman" panose="02020603050405020304" pitchFamily="18" charset="0"/>
-                <a:cs typeface="Times New Roman" panose="02020603050405020304" pitchFamily="18" charset="0"/>
-              </a:rPr>
-              <a:t>Thogiti</a:t>
-            </a:r>
-            <a:r>
-              <a:rPr lang="en-US" dirty="0">
-                <a:latin typeface="Times New Roman" panose="02020603050405020304" pitchFamily="18" charset="0"/>
-                <a:cs typeface="Times New Roman" panose="02020603050405020304" pitchFamily="18" charset="0"/>
-              </a:rPr>
-              <a:t>		 </a:t>
-            </a:r>
-            <a:r>
-              <a:rPr lang="en-US" dirty="0" err="1">
-                <a:latin typeface="Times New Roman" panose="02020603050405020304" pitchFamily="18" charset="0"/>
-                <a:cs typeface="Times New Roman" panose="02020603050405020304" pitchFamily="18" charset="0"/>
-              </a:rPr>
-              <a:t>Vineetha</a:t>
-            </a:r>
-            <a:r>
-              <a:rPr lang="en-US" dirty="0">
-                <a:latin typeface="Times New Roman" panose="02020603050405020304" pitchFamily="18" charset="0"/>
-                <a:cs typeface="Times New Roman" panose="02020603050405020304" pitchFamily="18" charset="0"/>
-              </a:rPr>
-              <a:t> </a:t>
-            </a:r>
-            <a:r>
-              <a:rPr lang="en-US" dirty="0" err="1">
-                <a:latin typeface="Times New Roman" panose="02020603050405020304" pitchFamily="18" charset="0"/>
-                <a:cs typeface="Times New Roman" panose="02020603050405020304" pitchFamily="18" charset="0"/>
-              </a:rPr>
-              <a:t>Yenugula</a:t>
-            </a:r>
-            <a:r>
-              <a:rPr lang="en-US" dirty="0">
-                <a:latin typeface="Times New Roman" panose="02020603050405020304" pitchFamily="18" charset="0"/>
-                <a:cs typeface="Times New Roman" panose="02020603050405020304" pitchFamily="18" charset="0"/>
-              </a:rPr>
-              <a:t>   	     Swaroopa 	  		   Naga Anshitha    	            Shiva Rama</a:t>
-            </a:r>
-          </a:p>
-          <a:p>
-            <a:pPr marL="0" indent="0">
-              <a:buNone/>
-            </a:pPr>
-            <a:r>
-              <a:rPr lang="en-US" dirty="0">
-                <a:latin typeface="Times New Roman" panose="02020603050405020304" pitchFamily="18" charset="0"/>
-                <a:cs typeface="Times New Roman" panose="02020603050405020304" pitchFamily="18" charset="0"/>
-              </a:rPr>
-              <a:t>(Project Manager)	       (</a:t>
-            </a:r>
-            <a:r>
-              <a:rPr lang="en-US" dirty="0" err="1">
-                <a:latin typeface="Times New Roman" panose="02020603050405020304" pitchFamily="18" charset="0"/>
-                <a:cs typeface="Times New Roman" panose="02020603050405020304" pitchFamily="18" charset="0"/>
-              </a:rPr>
-              <a:t>Fullstack</a:t>
-            </a:r>
-            <a:r>
-              <a:rPr lang="en-US" dirty="0">
-                <a:latin typeface="Times New Roman" panose="02020603050405020304" pitchFamily="18" charset="0"/>
-                <a:cs typeface="Times New Roman" panose="02020603050405020304" pitchFamily="18" charset="0"/>
-              </a:rPr>
-              <a:t> Developer)      </a:t>
-            </a:r>
-            <a:r>
-              <a:rPr lang="en-US" dirty="0" err="1">
-                <a:latin typeface="Times New Roman" panose="02020603050405020304" pitchFamily="18" charset="0"/>
-                <a:cs typeface="Times New Roman" panose="02020603050405020304" pitchFamily="18" charset="0"/>
-              </a:rPr>
-              <a:t>Thirumalareddy</a:t>
-            </a:r>
-            <a:r>
-              <a:rPr lang="en-US" dirty="0">
-                <a:latin typeface="Times New Roman" panose="02020603050405020304" pitchFamily="18" charset="0"/>
-                <a:cs typeface="Times New Roman" panose="02020603050405020304" pitchFamily="18" charset="0"/>
-              </a:rPr>
-              <a:t>		     Velagapudi		         Krishna </a:t>
-            </a:r>
-            <a:r>
-              <a:rPr lang="en-US" dirty="0" err="1">
-                <a:latin typeface="Times New Roman" panose="02020603050405020304" pitchFamily="18" charset="0"/>
-                <a:cs typeface="Times New Roman" panose="02020603050405020304" pitchFamily="18" charset="0"/>
-              </a:rPr>
-              <a:t>Vodnala</a:t>
-            </a:r>
-            <a:endParaRPr lang="en-US" dirty="0"/>
-          </a:p>
-          <a:p>
-            <a:pPr marL="3657600" lvl="8" indent="0">
-              <a:buNone/>
-            </a:pPr>
-            <a:r>
-              <a:rPr lang="en-US" sz="1800" dirty="0">
-                <a:latin typeface="Times New Roman" panose="02020603050405020304" pitchFamily="18" charset="0"/>
-                <a:cs typeface="Times New Roman" panose="02020603050405020304" pitchFamily="18" charset="0"/>
-              </a:rPr>
-              <a:t>              (Backend Developer)	  (UI and Tester)	        (DB Administrator)					</a:t>
-            </a:r>
-          </a:p>
-          <a:p>
-            <a:pPr marL="0" indent="0">
-              <a:buNone/>
-            </a:pPr>
-            <a:r>
-              <a:rPr lang="en-US" dirty="0">
-                <a:latin typeface="Times New Roman" panose="02020603050405020304" pitchFamily="18" charset="0"/>
-                <a:cs typeface="Times New Roman" panose="02020603050405020304" pitchFamily="18" charset="0"/>
-              </a:rPr>
-              <a:t>			</a:t>
-            </a:r>
-          </a:p>
-          <a:p>
-            <a:pPr marL="0" indent="0">
-              <a:buNone/>
-            </a:pPr>
-            <a:endParaRPr lang="en-US" dirty="0">
-              <a:latin typeface="Times New Roman" panose="02020603050405020304" pitchFamily="18" charset="0"/>
-              <a:cs typeface="Times New Roman" panose="02020603050405020304" pitchFamily="18" charset="0"/>
-            </a:endParaRPr>
-          </a:p>
-        </p:txBody>
-      </p:sp>
-      <p:pic>
-        <p:nvPicPr>
-          <p:cNvPr id="5" name="Picture 4" descr="A person standing in front of a body of water&#10;&#10;Description automatically generated">
-            <a:extLst>
-              <a:ext uri="{FF2B5EF4-FFF2-40B4-BE49-F238E27FC236}">
-                <a16:creationId xmlns:a16="http://schemas.microsoft.com/office/drawing/2014/main" id="{92DB79B2-DF6D-431D-8B85-E3B38A6179B2}"/>
-              </a:ext>
-            </a:extLst>
-          </p:cNvPr>
-          <p:cNvPicPr>
-            <a:picLocks noChangeAspect="1"/>
-          </p:cNvPicPr>
-          <p:nvPr/>
-        </p:nvPicPr>
-        <p:blipFill>
-          <a:blip r:embed="rId2">
-            <a:extLst>
-              <a:ext uri="{28A0092B-C50C-407E-A947-70E740481C1C}">
-                <a14:useLocalDpi xmlns:a14="http://schemas.microsoft.com/office/drawing/2010/main" val="0"/>
-              </a:ext>
-            </a:extLst>
-          </a:blip>
-          <a:stretch>
-            <a:fillRect/>
-          </a:stretch>
-        </p:blipFill>
-        <p:spPr>
-          <a:xfrm>
-            <a:off x="2843139" y="3044160"/>
-            <a:ext cx="1532972" cy="2038355"/>
-          </a:xfrm>
-          <a:prstGeom prst="rect">
-            <a:avLst/>
-          </a:prstGeom>
-        </p:spPr>
-      </p:pic>
-      <p:pic>
-        <p:nvPicPr>
-          <p:cNvPr id="7" name="Picture 6" descr="A person smiling for the camera&#10;&#10;Description automatically generated">
-            <a:extLst>
-              <a:ext uri="{FF2B5EF4-FFF2-40B4-BE49-F238E27FC236}">
-                <a16:creationId xmlns:a16="http://schemas.microsoft.com/office/drawing/2014/main" id="{64698B35-8E26-4280-AFB3-C7EAA5BE7E87}"/>
-              </a:ext>
-            </a:extLst>
-          </p:cNvPr>
-          <p:cNvPicPr>
-            <a:picLocks noChangeAspect="1"/>
-          </p:cNvPicPr>
-          <p:nvPr/>
-        </p:nvPicPr>
-        <p:blipFill>
-          <a:blip r:embed="rId3">
-            <a:extLst>
-              <a:ext uri="{28A0092B-C50C-407E-A947-70E740481C1C}">
-                <a14:useLocalDpi xmlns:a14="http://schemas.microsoft.com/office/drawing/2010/main" val="0"/>
-              </a:ext>
-            </a:extLst>
-          </a:blip>
-          <a:stretch>
-            <a:fillRect/>
-          </a:stretch>
-        </p:blipFill>
-        <p:spPr>
-          <a:xfrm>
-            <a:off x="9730722" y="3156373"/>
-            <a:ext cx="1532973" cy="2038356"/>
-          </a:xfrm>
-          <a:prstGeom prst="rect">
-            <a:avLst/>
-          </a:prstGeom>
-        </p:spPr>
-      </p:pic>
-      <p:pic>
-        <p:nvPicPr>
-          <p:cNvPr id="9" name="Picture 8" descr="A person smiling for the camera&#10;&#10;Description automatically generated">
-            <a:extLst>
-              <a:ext uri="{FF2B5EF4-FFF2-40B4-BE49-F238E27FC236}">
-                <a16:creationId xmlns:a16="http://schemas.microsoft.com/office/drawing/2014/main" id="{4DC14134-59B9-40CD-B4BE-E8D1F5CD7132}"/>
-              </a:ext>
-            </a:extLst>
-          </p:cNvPr>
-          <p:cNvPicPr>
-            <a:picLocks noChangeAspect="1"/>
-          </p:cNvPicPr>
-          <p:nvPr/>
-        </p:nvPicPr>
-        <p:blipFill>
-          <a:blip r:embed="rId4">
-            <a:extLst>
-              <a:ext uri="{28A0092B-C50C-407E-A947-70E740481C1C}">
-                <a14:useLocalDpi xmlns:a14="http://schemas.microsoft.com/office/drawing/2010/main" val="0"/>
-              </a:ext>
-            </a:extLst>
-          </a:blip>
-          <a:stretch>
-            <a:fillRect/>
-          </a:stretch>
-        </p:blipFill>
-        <p:spPr>
-          <a:xfrm>
-            <a:off x="7399360" y="3156373"/>
-            <a:ext cx="1532972" cy="2038356"/>
-          </a:xfrm>
-          <a:prstGeom prst="rect">
-            <a:avLst/>
-          </a:prstGeom>
-        </p:spPr>
-      </p:pic>
-      <p:pic>
-        <p:nvPicPr>
-          <p:cNvPr id="6" name="Picture 5" descr="A person standing in front of a house&#10;&#10;Description automatically generated">
-            <a:extLst>
-              <a:ext uri="{FF2B5EF4-FFF2-40B4-BE49-F238E27FC236}">
-                <a16:creationId xmlns:a16="http://schemas.microsoft.com/office/drawing/2014/main" id="{BB84EB3D-8FB7-429A-8E57-A3E8E731121F}"/>
-              </a:ext>
-            </a:extLst>
-          </p:cNvPr>
-          <p:cNvPicPr>
-            <a:picLocks noChangeAspect="1"/>
-          </p:cNvPicPr>
-          <p:nvPr/>
-        </p:nvPicPr>
-        <p:blipFill>
-          <a:blip r:embed="rId5">
-            <a:extLst>
-              <a:ext uri="{28A0092B-C50C-407E-A947-70E740481C1C}">
-                <a14:useLocalDpi xmlns:a14="http://schemas.microsoft.com/office/drawing/2010/main" val="0"/>
-              </a:ext>
-            </a:extLst>
-          </a:blip>
-          <a:stretch>
-            <a:fillRect/>
-          </a:stretch>
-        </p:blipFill>
-        <p:spPr>
-          <a:xfrm>
-            <a:off x="5098498" y="3084327"/>
-            <a:ext cx="1436568" cy="2038356"/>
-          </a:xfrm>
-          <a:prstGeom prst="rect">
-            <a:avLst/>
-          </a:prstGeom>
-        </p:spPr>
-      </p:pic>
-      <p:pic>
-        <p:nvPicPr>
-          <p:cNvPr id="10" name="Picture 9" descr="A person taking a selfie&#10;&#10;Description automatically generated">
-            <a:extLst>
-              <a:ext uri="{FF2B5EF4-FFF2-40B4-BE49-F238E27FC236}">
-                <a16:creationId xmlns:a16="http://schemas.microsoft.com/office/drawing/2014/main" id="{1D3FEEC3-AF16-4966-A8CF-1233051B5509}"/>
-              </a:ext>
-            </a:extLst>
-          </p:cNvPr>
-          <p:cNvPicPr>
-            <a:picLocks noChangeAspect="1"/>
-          </p:cNvPicPr>
-          <p:nvPr/>
-        </p:nvPicPr>
-        <p:blipFill>
-          <a:blip r:embed="rId6">
-            <a:extLst>
-              <a:ext uri="{28A0092B-C50C-407E-A947-70E740481C1C}">
-                <a14:useLocalDpi xmlns:a14="http://schemas.microsoft.com/office/drawing/2010/main" val="0"/>
-              </a:ext>
-            </a:extLst>
-          </a:blip>
-          <a:stretch>
-            <a:fillRect/>
-          </a:stretch>
-        </p:blipFill>
-        <p:spPr>
-          <a:xfrm>
-            <a:off x="666722" y="3084327"/>
-            <a:ext cx="1454030" cy="1938708"/>
-          </a:xfrm>
-          <a:prstGeom prst="rect">
-            <a:avLst/>
-          </a:prstGeom>
-        </p:spPr>
-      </p:pic>
-      <p:sp>
-        <p:nvSpPr>
-          <p:cNvPr id="13" name="Footer Placeholder 12">
-            <a:extLst>
-              <a:ext uri="{FF2B5EF4-FFF2-40B4-BE49-F238E27FC236}">
-                <a16:creationId xmlns:a16="http://schemas.microsoft.com/office/drawing/2014/main" id="{4DEB0D3C-FC0C-4AAE-8B1A-1CD6D3894DE9}"/>
-              </a:ext>
-            </a:extLst>
-          </p:cNvPr>
-          <p:cNvSpPr>
-            <a:spLocks noGrp="1"/>
-          </p:cNvSpPr>
-          <p:nvPr>
-            <p:ph type="ftr" sz="quarter" idx="11"/>
-          </p:nvPr>
-        </p:nvSpPr>
-        <p:spPr/>
-        <p:txBody>
-          <a:bodyPr/>
-          <a:lstStyle/>
-          <a:p>
-            <a:r>
-              <a:rPr lang="en-US"/>
-              <a:t>HEALTHIFY</a:t>
-            </a:r>
-          </a:p>
-        </p:txBody>
-      </p:sp>
-      <p:sp>
-        <p:nvSpPr>
-          <p:cNvPr id="15" name="Slide Number Placeholder 14">
-            <a:extLst>
-              <a:ext uri="{FF2B5EF4-FFF2-40B4-BE49-F238E27FC236}">
-                <a16:creationId xmlns:a16="http://schemas.microsoft.com/office/drawing/2014/main" id="{2FAD1378-BCC4-42D6-A20E-EC601EC1DFD7}"/>
-              </a:ext>
-            </a:extLst>
-          </p:cNvPr>
-          <p:cNvSpPr>
-            <a:spLocks noGrp="1"/>
-          </p:cNvSpPr>
-          <p:nvPr>
-            <p:ph type="sldNum" sz="quarter" idx="12"/>
-          </p:nvPr>
-        </p:nvSpPr>
-        <p:spPr/>
-        <p:txBody>
-          <a:bodyPr/>
-          <a:lstStyle/>
-          <a:p>
-            <a:fld id="{FC6EDEEF-6E47-4D41-B312-2A124904AE2A}" type="slidenum">
-              <a:rPr lang="en-US" smtClean="0"/>
-              <a:t>2</a:t>
-            </a:fld>
-            <a:endParaRPr lang="en-US"/>
-          </a:p>
-        </p:txBody>
-      </p:sp>
-    </p:spTree>
-    <p:extLst>
-      <p:ext uri="{BB962C8B-B14F-4D97-AF65-F5344CB8AC3E}">
-        <p14:creationId xmlns:p14="http://schemas.microsoft.com/office/powerpoint/2010/main" val="4176327129"/>
       </p:ext>
     </p:extLst>
   </p:cSld>
